--- a/presentations/TTF-Technical.pptx
+++ b/presentations/TTF-Technical.pptx
@@ -6,7 +6,7 @@
     <p:sldMasterId id="2147483660" r:id="rId5"/>
   </p:sldMasterIdLst>
   <p:notesMasterIdLst>
-    <p:notesMasterId r:id="rId27"/>
+    <p:notesMasterId r:id="rId32"/>
   </p:notesMasterIdLst>
   <p:sldIdLst>
     <p:sldId id="256" r:id="rId6"/>
@@ -16,20 +16,25 @@
     <p:sldId id="1560" r:id="rId10"/>
     <p:sldId id="1558" r:id="rId11"/>
     <p:sldId id="1557" r:id="rId12"/>
-    <p:sldId id="1559" r:id="rId13"/>
-    <p:sldId id="1561" r:id="rId14"/>
-    <p:sldId id="1562" r:id="rId15"/>
-    <p:sldId id="1563" r:id="rId16"/>
-    <p:sldId id="1564" r:id="rId17"/>
-    <p:sldId id="1565" r:id="rId18"/>
-    <p:sldId id="1569" r:id="rId19"/>
-    <p:sldId id="1567" r:id="rId20"/>
-    <p:sldId id="1546" r:id="rId21"/>
-    <p:sldId id="1555" r:id="rId22"/>
-    <p:sldId id="1566" r:id="rId23"/>
-    <p:sldId id="1568" r:id="rId24"/>
-    <p:sldId id="1551" r:id="rId25"/>
-    <p:sldId id="1550" r:id="rId26"/>
+    <p:sldId id="1570" r:id="rId13"/>
+    <p:sldId id="1559" r:id="rId14"/>
+    <p:sldId id="1571" r:id="rId15"/>
+    <p:sldId id="1561" r:id="rId16"/>
+    <p:sldId id="1572" r:id="rId17"/>
+    <p:sldId id="1562" r:id="rId18"/>
+    <p:sldId id="1573" r:id="rId19"/>
+    <p:sldId id="1563" r:id="rId20"/>
+    <p:sldId id="1574" r:id="rId21"/>
+    <p:sldId id="1564" r:id="rId22"/>
+    <p:sldId id="1565" r:id="rId23"/>
+    <p:sldId id="1569" r:id="rId24"/>
+    <p:sldId id="1567" r:id="rId25"/>
+    <p:sldId id="1546" r:id="rId26"/>
+    <p:sldId id="1555" r:id="rId27"/>
+    <p:sldId id="1566" r:id="rId28"/>
+    <p:sldId id="1568" r:id="rId29"/>
+    <p:sldId id="1551" r:id="rId30"/>
+    <p:sldId id="1550" r:id="rId31"/>
   </p:sldIdLst>
   <p:sldSz cx="12192000" cy="6858000"/>
   <p:notesSz cx="6858000" cy="9144000"/>
@@ -30224,6 +30229,1044 @@
           <p:cNvPr id="11" name="Rectangle 10">
             <a:extLst>
               <a:ext uri="{FF2B5EF4-FFF2-40B4-BE49-F238E27FC236}">
+                <a16:creationId xmlns:a16="http://schemas.microsoft.com/office/drawing/2014/main" id="{AB45A142-4255-493C-8284-5D566C121B10}"/>
+              </a:ext>
+              <a:ext uri="{C183D7F6-B498-43B3-948B-1728B52AA6E4}">
+                <adec:decorative xmlns:adec="http://schemas.microsoft.com/office/drawing/2017/decorative" val="1"/>
+              </a:ext>
+            </a:extLst>
+          </p:cNvPr>
+          <p:cNvSpPr>
+            <a:spLocks noGrp="1" noRot="1" noChangeAspect="1" noMove="1" noResize="1" noEditPoints="1" noAdjustHandles="1" noChangeArrowheads="1" noChangeShapeType="1" noTextEdit="1"/>
+          </p:cNvSpPr>
+          <p:nvPr>
+            <p:extLst>
+              <p:ext uri="{386F3935-93C4-4BCD-93E2-E3B085C9AB24}">
+                <p16:designElem xmlns:p16="http://schemas.microsoft.com/office/powerpoint/2015/main" val="1"/>
+              </p:ext>
+            </p:extLst>
+          </p:nvPr>
+        </p:nvSpPr>
+        <p:spPr bwMode="ltGray">
+          <a:xfrm>
+            <a:off x="336884" y="321177"/>
+            <a:ext cx="4332307" cy="6179552"/>
+          </a:xfrm>
+          <a:prstGeom prst="rect">
+            <a:avLst/>
+          </a:prstGeom>
+          <a:solidFill>
+            <a:srgbClr val="404040">
+              <a:alpha val="89804"/>
+            </a:srgbClr>
+          </a:solidFill>
+          <a:ln w="127000" cap="sq" cmpd="thinThick">
+            <a:solidFill>
+              <a:srgbClr val="595959">
+                <a:alpha val="80000"/>
+              </a:srgbClr>
+            </a:solidFill>
+          </a:ln>
+        </p:spPr>
+        <p:style>
+          <a:lnRef idx="2">
+            <a:schemeClr val="accent1">
+              <a:shade val="50000"/>
+            </a:schemeClr>
+          </a:lnRef>
+          <a:fillRef idx="1">
+            <a:schemeClr val="accent1"/>
+          </a:fillRef>
+          <a:effectRef idx="0">
+            <a:schemeClr val="accent1"/>
+          </a:effectRef>
+          <a:fontRef idx="minor">
+            <a:schemeClr val="lt1"/>
+          </a:fontRef>
+        </p:style>
+        <p:txBody>
+          <a:bodyPr rtlCol="0" anchor="ctr"/>
+          <a:lstStyle/>
+          <a:p>
+            <a:pPr marL="0" marR="0" lvl="0" indent="0" algn="ctr" defTabSz="914400" rtl="0" eaLnBrk="1" fontAlgn="auto" latinLnBrk="0" hangingPunct="1">
+              <a:lnSpc>
+                <a:spcPct val="100000"/>
+              </a:lnSpc>
+              <a:spcBef>
+                <a:spcPts val="0"/>
+              </a:spcBef>
+              <a:spcAft>
+                <a:spcPts val="0"/>
+              </a:spcAft>
+              <a:buClrTx/>
+              <a:buSzTx/>
+              <a:buFontTx/>
+              <a:buNone/>
+              <a:tabLst/>
+              <a:defRPr/>
+            </a:pPr>
+            <a:endParaRPr kumimoji="0" lang="en-US" sz="1800" b="0" i="0" u="none" strike="noStrike" kern="1200" cap="none" spc="0" normalizeH="0" baseline="0" noProof="0">
+              <a:ln>
+                <a:noFill/>
+              </a:ln>
+              <a:solidFill>
+                <a:prstClr val="white"/>
+              </a:solidFill>
+              <a:effectLst/>
+              <a:uLnTx/>
+              <a:uFillTx/>
+              <a:latin typeface="Calibri" panose="020F0502020204030204"/>
+              <a:ea typeface="+mn-ea"/>
+              <a:cs typeface="+mn-cs"/>
+            </a:endParaRPr>
+          </a:p>
+        </p:txBody>
+      </p:sp>
+      <p:sp>
+        <p:nvSpPr>
+          <p:cNvPr id="2" name="Title 1">
+            <a:extLst>
+              <a:ext uri="{FF2B5EF4-FFF2-40B4-BE49-F238E27FC236}">
+                <a16:creationId xmlns:a16="http://schemas.microsoft.com/office/drawing/2014/main" id="{FA156E4A-790D-AC46-9EAF-BC37346B4252}"/>
+              </a:ext>
+            </a:extLst>
+          </p:cNvPr>
+          <p:cNvSpPr>
+            <a:spLocks noGrp="1"/>
+          </p:cNvSpPr>
+          <p:nvPr>
+            <p:ph type="title"/>
+          </p:nvPr>
+        </p:nvSpPr>
+        <p:spPr>
+          <a:xfrm>
+            <a:off x="674236" y="914400"/>
+            <a:ext cx="3850629" cy="2887579"/>
+          </a:xfrm>
+        </p:spPr>
+        <p:txBody>
+          <a:bodyPr vert="horz" lIns="91440" tIns="45720" rIns="91440" bIns="45720" rtlCol="0" anchor="b">
+            <a:normAutofit/>
+          </a:bodyPr>
+          <a:lstStyle/>
+          <a:p>
+            <a:pPr algn="ctr"/>
+            <a:r>
+              <a:rPr lang="en-US" sz="4800" kern="1200" dirty="0">
+                <a:solidFill>
+                  <a:srgbClr val="FFFFFF"/>
+                </a:solidFill>
+                <a:latin typeface="+mj-lt"/>
+                <a:ea typeface="+mj-ea"/>
+                <a:cs typeface="+mj-cs"/>
+              </a:rPr>
+              <a:t>TOM–Behavior</a:t>
+            </a:r>
+          </a:p>
+        </p:txBody>
+      </p:sp>
+      <p:cxnSp>
+        <p:nvCxnSpPr>
+          <p:cNvPr id="13" name="Straight Connector 12">
+            <a:extLst>
+              <a:ext uri="{FF2B5EF4-FFF2-40B4-BE49-F238E27FC236}">
+                <a16:creationId xmlns:a16="http://schemas.microsoft.com/office/drawing/2014/main" id="{38FB9660-F42F-4313-BBC4-47C007FE484C}"/>
+              </a:ext>
+              <a:ext uri="{C183D7F6-B498-43B3-948B-1728B52AA6E4}">
+                <adec:decorative xmlns:adec="http://schemas.microsoft.com/office/drawing/2017/decorative" val="1"/>
+              </a:ext>
+            </a:extLst>
+          </p:cNvPr>
+          <p:cNvCxnSpPr>
+            <a:cxnSpLocks noGrp="1" noRot="1" noChangeAspect="1" noMove="1" noResize="1" noEditPoints="1" noAdjustHandles="1" noChangeArrowheads="1" noChangeShapeType="1"/>
+          </p:cNvCxnSpPr>
+          <p:nvPr>
+            <p:extLst>
+              <p:ext uri="{386F3935-93C4-4BCD-93E2-E3B085C9AB24}">
+                <p16:designElem xmlns:p16="http://schemas.microsoft.com/office/powerpoint/2015/main" val="1"/>
+              </p:ext>
+            </p:extLst>
+          </p:nvPr>
+        </p:nvCxnSpPr>
+        <p:spPr>
+          <a:xfrm>
+            <a:off x="1191126" y="3910267"/>
+            <a:ext cx="2586790" cy="0"/>
+          </a:xfrm>
+          <a:prstGeom prst="line">
+            <a:avLst/>
+          </a:prstGeom>
+          <a:ln w="22225">
+            <a:solidFill>
+              <a:srgbClr val="D9D9D9"/>
+            </a:solidFill>
+          </a:ln>
+        </p:spPr>
+        <p:style>
+          <a:lnRef idx="1">
+            <a:schemeClr val="accent1"/>
+          </a:lnRef>
+          <a:fillRef idx="0">
+            <a:schemeClr val="accent1"/>
+          </a:fillRef>
+          <a:effectRef idx="0">
+            <a:schemeClr val="accent1"/>
+          </a:effectRef>
+          <a:fontRef idx="minor">
+            <a:schemeClr val="tx1"/>
+          </a:fontRef>
+        </p:style>
+      </p:cxnSp>
+      <p:pic>
+        <p:nvPicPr>
+          <p:cNvPr id="6" name="Content Placeholder 5">
+            <a:extLst>
+              <a:ext uri="{FF2B5EF4-FFF2-40B4-BE49-F238E27FC236}">
+                <a16:creationId xmlns:a16="http://schemas.microsoft.com/office/drawing/2014/main" id="{8FC59F98-2E24-404D-9A31-C3290AA1929C}"/>
+              </a:ext>
+            </a:extLst>
+          </p:cNvPr>
+          <p:cNvPicPr>
+            <a:picLocks noGrp="1" noChangeAspect="1"/>
+          </p:cNvPicPr>
+          <p:nvPr>
+            <p:ph idx="1"/>
+          </p:nvPr>
+        </p:nvPicPr>
+        <p:blipFill>
+          <a:blip r:embed="rId2"/>
+          <a:srcRect/>
+          <a:stretch/>
+        </p:blipFill>
+        <p:spPr>
+          <a:xfrm>
+            <a:off x="6091259" y="1324934"/>
+            <a:ext cx="5051692" cy="3741051"/>
+          </a:xfrm>
+          <a:prstGeom prst="rect">
+            <a:avLst/>
+          </a:prstGeom>
+        </p:spPr>
+      </p:pic>
+      <p:sp>
+        <p:nvSpPr>
+          <p:cNvPr id="4" name="Footer Placeholder 3">
+            <a:extLst>
+              <a:ext uri="{FF2B5EF4-FFF2-40B4-BE49-F238E27FC236}">
+                <a16:creationId xmlns:a16="http://schemas.microsoft.com/office/drawing/2014/main" id="{0D5D85D6-68A4-1448-8703-F1F5711ED898}"/>
+              </a:ext>
+            </a:extLst>
+          </p:cNvPr>
+          <p:cNvSpPr>
+            <a:spLocks noGrp="1"/>
+          </p:cNvSpPr>
+          <p:nvPr>
+            <p:ph type="ftr" sz="quarter" idx="11"/>
+          </p:nvPr>
+        </p:nvSpPr>
+        <p:spPr>
+          <a:xfrm>
+            <a:off x="5153822" y="6356350"/>
+            <a:ext cx="4615820" cy="365125"/>
+          </a:xfrm>
+        </p:spPr>
+        <p:txBody>
+          <a:bodyPr vert="horz" lIns="91440" tIns="45720" rIns="91440" bIns="45720" rtlCol="0" anchor="ctr">
+            <a:normAutofit/>
+          </a:bodyPr>
+          <a:lstStyle/>
+          <a:p>
+            <a:pPr marL="0" marR="0" lvl="0" indent="0" algn="l" defTabSz="914400" rtl="0" eaLnBrk="1" fontAlgn="auto" latinLnBrk="0" hangingPunct="1">
+              <a:lnSpc>
+                <a:spcPct val="100000"/>
+              </a:lnSpc>
+              <a:spcBef>
+                <a:spcPts val="0"/>
+              </a:spcBef>
+              <a:spcAft>
+                <a:spcPts val="600"/>
+              </a:spcAft>
+              <a:buClrTx/>
+              <a:buSzTx/>
+              <a:buFontTx/>
+              <a:buNone/>
+              <a:tabLst/>
+              <a:defRPr/>
+            </a:pPr>
+            <a:r>
+              <a:rPr kumimoji="0" lang="en-US" sz="1200" b="0" i="0" u="none" strike="noStrike" kern="1200" cap="none" spc="0" normalizeH="0" baseline="0" noProof="0">
+                <a:ln>
+                  <a:noFill/>
+                </a:ln>
+                <a:solidFill>
+                  <a:srgbClr val="595959"/>
+                </a:solidFill>
+                <a:effectLst/>
+                <a:uLnTx/>
+                <a:uFillTx/>
+                <a:latin typeface="Calibri" panose="020F0502020204030204"/>
+                <a:ea typeface="+mn-ea"/>
+                <a:cs typeface="+mn-cs"/>
+              </a:rPr>
+              <a:t>©2019 Token Taxonomy Initiative Inc. (“TTI”).  All Rights Reserved. </a:t>
+            </a:r>
+          </a:p>
+        </p:txBody>
+      </p:sp>
+    </p:spTree>
+    <p:extLst>
+      <p:ext uri="{BB962C8B-B14F-4D97-AF65-F5344CB8AC3E}">
+        <p14:creationId xmlns:p14="http://schemas.microsoft.com/office/powerpoint/2010/main" val="3562553076"/>
+      </p:ext>
+    </p:extLst>
+  </p:cSld>
+  <p:clrMapOvr>
+    <a:masterClrMapping/>
+  </p:clrMapOvr>
+</p:sld>
+</file>
+
+<file path=ppt/slides/slide11.xml><?xml version="1.0" encoding="utf-8"?>
+<p:sld xmlns:a="http://schemas.openxmlformats.org/drawingml/2006/main" xmlns:r="http://schemas.openxmlformats.org/officeDocument/2006/relationships" xmlns:p="http://schemas.openxmlformats.org/presentationml/2006/main">
+  <p:cSld>
+    <p:bg>
+      <p:bgPr>
+        <a:solidFill>
+          <a:schemeClr val="bg1"/>
+        </a:solidFill>
+        <a:effectLst/>
+      </p:bgPr>
+    </p:bg>
+    <p:spTree>
+      <p:nvGrpSpPr>
+        <p:cNvPr id="1" name=""/>
+        <p:cNvGrpSpPr/>
+        <p:nvPr/>
+      </p:nvGrpSpPr>
+      <p:grpSpPr>
+        <a:xfrm>
+          <a:off x="0" y="0"/>
+          <a:ext cx="0" cy="0"/>
+          <a:chOff x="0" y="0"/>
+          <a:chExt cx="0" cy="0"/>
+        </a:xfrm>
+      </p:grpSpPr>
+      <p:sp>
+        <p:nvSpPr>
+          <p:cNvPr id="11" name="Rectangle 10">
+            <a:extLst>
+              <a:ext uri="{FF2B5EF4-FFF2-40B4-BE49-F238E27FC236}">
+                <a16:creationId xmlns:a16="http://schemas.microsoft.com/office/drawing/2014/main" id="{AB45A142-4255-493C-8284-5D566C121B10}"/>
+              </a:ext>
+              <a:ext uri="{C183D7F6-B498-43B3-948B-1728B52AA6E4}">
+                <adec:decorative xmlns:adec="http://schemas.microsoft.com/office/drawing/2017/decorative" val="1"/>
+              </a:ext>
+            </a:extLst>
+          </p:cNvPr>
+          <p:cNvSpPr>
+            <a:spLocks noGrp="1" noRot="1" noChangeAspect="1" noMove="1" noResize="1" noEditPoints="1" noAdjustHandles="1" noChangeArrowheads="1" noChangeShapeType="1" noTextEdit="1"/>
+          </p:cNvSpPr>
+          <p:nvPr>
+            <p:extLst>
+              <p:ext uri="{386F3935-93C4-4BCD-93E2-E3B085C9AB24}">
+                <p16:designElem xmlns:p16="http://schemas.microsoft.com/office/powerpoint/2015/main" val="1"/>
+              </p:ext>
+            </p:extLst>
+          </p:nvPr>
+        </p:nvSpPr>
+        <p:spPr bwMode="ltGray">
+          <a:xfrm>
+            <a:off x="336884" y="321177"/>
+            <a:ext cx="4332307" cy="6179552"/>
+          </a:xfrm>
+          <a:prstGeom prst="rect">
+            <a:avLst/>
+          </a:prstGeom>
+          <a:solidFill>
+            <a:srgbClr val="404040">
+              <a:alpha val="89804"/>
+            </a:srgbClr>
+          </a:solidFill>
+          <a:ln w="127000" cap="sq" cmpd="thinThick">
+            <a:solidFill>
+              <a:srgbClr val="595959">
+                <a:alpha val="80000"/>
+              </a:srgbClr>
+            </a:solidFill>
+          </a:ln>
+        </p:spPr>
+        <p:style>
+          <a:lnRef idx="2">
+            <a:schemeClr val="accent1">
+              <a:shade val="50000"/>
+            </a:schemeClr>
+          </a:lnRef>
+          <a:fillRef idx="1">
+            <a:schemeClr val="accent1"/>
+          </a:fillRef>
+          <a:effectRef idx="0">
+            <a:schemeClr val="accent1"/>
+          </a:effectRef>
+          <a:fontRef idx="minor">
+            <a:schemeClr val="lt1"/>
+          </a:fontRef>
+        </p:style>
+        <p:txBody>
+          <a:bodyPr rtlCol="0" anchor="ctr"/>
+          <a:lstStyle/>
+          <a:p>
+            <a:pPr algn="ctr"/>
+            <a:endParaRPr lang="en-US"/>
+          </a:p>
+        </p:txBody>
+      </p:sp>
+      <p:sp>
+        <p:nvSpPr>
+          <p:cNvPr id="2" name="Title 1">
+            <a:extLst>
+              <a:ext uri="{FF2B5EF4-FFF2-40B4-BE49-F238E27FC236}">
+                <a16:creationId xmlns:a16="http://schemas.microsoft.com/office/drawing/2014/main" id="{FA156E4A-790D-AC46-9EAF-BC37346B4252}"/>
+              </a:ext>
+            </a:extLst>
+          </p:cNvPr>
+          <p:cNvSpPr>
+            <a:spLocks noGrp="1"/>
+          </p:cNvSpPr>
+          <p:nvPr>
+            <p:ph type="title"/>
+          </p:nvPr>
+        </p:nvSpPr>
+        <p:spPr>
+          <a:xfrm>
+            <a:off x="674236" y="914400"/>
+            <a:ext cx="3850629" cy="2887579"/>
+          </a:xfrm>
+        </p:spPr>
+        <p:txBody>
+          <a:bodyPr vert="horz" lIns="91440" tIns="45720" rIns="91440" bIns="45720" rtlCol="0" anchor="b">
+            <a:normAutofit/>
+          </a:bodyPr>
+          <a:lstStyle/>
+          <a:p>
+            <a:pPr algn="ctr"/>
+            <a:r>
+              <a:rPr lang="en-US" sz="4800" kern="1200" dirty="0">
+                <a:solidFill>
+                  <a:srgbClr val="FFFFFF"/>
+                </a:solidFill>
+                <a:latin typeface="+mj-lt"/>
+                <a:ea typeface="+mj-ea"/>
+                <a:cs typeface="+mj-cs"/>
+              </a:rPr>
+              <a:t>TOM–Behavior</a:t>
+            </a:r>
+          </a:p>
+        </p:txBody>
+      </p:sp>
+      <p:cxnSp>
+        <p:nvCxnSpPr>
+          <p:cNvPr id="13" name="Straight Connector 12">
+            <a:extLst>
+              <a:ext uri="{FF2B5EF4-FFF2-40B4-BE49-F238E27FC236}">
+                <a16:creationId xmlns:a16="http://schemas.microsoft.com/office/drawing/2014/main" id="{38FB9660-F42F-4313-BBC4-47C007FE484C}"/>
+              </a:ext>
+              <a:ext uri="{C183D7F6-B498-43B3-948B-1728B52AA6E4}">
+                <adec:decorative xmlns:adec="http://schemas.microsoft.com/office/drawing/2017/decorative" val="1"/>
+              </a:ext>
+            </a:extLst>
+          </p:cNvPr>
+          <p:cNvCxnSpPr>
+            <a:cxnSpLocks noGrp="1" noRot="1" noChangeAspect="1" noMove="1" noResize="1" noEditPoints="1" noAdjustHandles="1" noChangeArrowheads="1" noChangeShapeType="1"/>
+          </p:cNvCxnSpPr>
+          <p:nvPr>
+            <p:extLst>
+              <p:ext uri="{386F3935-93C4-4BCD-93E2-E3B085C9AB24}">
+                <p16:designElem xmlns:p16="http://schemas.microsoft.com/office/powerpoint/2015/main" val="1"/>
+              </p:ext>
+            </p:extLst>
+          </p:nvPr>
+        </p:nvCxnSpPr>
+        <p:spPr>
+          <a:xfrm>
+            <a:off x="1191126" y="3910267"/>
+            <a:ext cx="2586790" cy="0"/>
+          </a:xfrm>
+          <a:prstGeom prst="line">
+            <a:avLst/>
+          </a:prstGeom>
+          <a:ln w="22225">
+            <a:solidFill>
+              <a:srgbClr val="D9D9D9"/>
+            </a:solidFill>
+          </a:ln>
+        </p:spPr>
+        <p:style>
+          <a:lnRef idx="1">
+            <a:schemeClr val="accent1"/>
+          </a:lnRef>
+          <a:fillRef idx="0">
+            <a:schemeClr val="accent1"/>
+          </a:fillRef>
+          <a:effectRef idx="0">
+            <a:schemeClr val="accent1"/>
+          </a:effectRef>
+          <a:fontRef idx="minor">
+            <a:schemeClr val="tx1"/>
+          </a:fontRef>
+        </p:style>
+      </p:cxnSp>
+      <p:pic>
+        <p:nvPicPr>
+          <p:cNvPr id="6" name="Content Placeholder 5" descr="A screenshot of a video game&#10;&#10;Description automatically generated">
+            <a:extLst>
+              <a:ext uri="{FF2B5EF4-FFF2-40B4-BE49-F238E27FC236}">
+                <a16:creationId xmlns:a16="http://schemas.microsoft.com/office/drawing/2014/main" id="{8FC59F98-2E24-404D-9A31-C3290AA1929C}"/>
+              </a:ext>
+            </a:extLst>
+          </p:cNvPr>
+          <p:cNvPicPr>
+            <a:picLocks noGrp="1" noChangeAspect="1"/>
+          </p:cNvPicPr>
+          <p:nvPr>
+            <p:ph idx="1"/>
+          </p:nvPr>
+        </p:nvPicPr>
+        <p:blipFill>
+          <a:blip r:embed="rId2"/>
+          <a:stretch>
+            <a:fillRect/>
+          </a:stretch>
+        </p:blipFill>
+        <p:spPr>
+          <a:xfrm>
+            <a:off x="6527131" y="306788"/>
+            <a:ext cx="3927195" cy="6066581"/>
+          </a:xfrm>
+          <a:prstGeom prst="rect">
+            <a:avLst/>
+          </a:prstGeom>
+        </p:spPr>
+      </p:pic>
+      <p:sp>
+        <p:nvSpPr>
+          <p:cNvPr id="4" name="Footer Placeholder 3">
+            <a:extLst>
+              <a:ext uri="{FF2B5EF4-FFF2-40B4-BE49-F238E27FC236}">
+                <a16:creationId xmlns:a16="http://schemas.microsoft.com/office/drawing/2014/main" id="{0D5D85D6-68A4-1448-8703-F1F5711ED898}"/>
+              </a:ext>
+            </a:extLst>
+          </p:cNvPr>
+          <p:cNvSpPr>
+            <a:spLocks noGrp="1"/>
+          </p:cNvSpPr>
+          <p:nvPr>
+            <p:ph type="ftr" sz="quarter" idx="11"/>
+          </p:nvPr>
+        </p:nvSpPr>
+        <p:spPr>
+          <a:xfrm>
+            <a:off x="5153822" y="6356350"/>
+            <a:ext cx="4615820" cy="365125"/>
+          </a:xfrm>
+        </p:spPr>
+        <p:txBody>
+          <a:bodyPr vert="horz" lIns="91440" tIns="45720" rIns="91440" bIns="45720" rtlCol="0" anchor="ctr">
+            <a:normAutofit/>
+          </a:bodyPr>
+          <a:lstStyle/>
+          <a:p>
+            <a:pPr algn="l">
+              <a:spcAft>
+                <a:spcPts val="600"/>
+              </a:spcAft>
+            </a:pPr>
+            <a:r>
+              <a:rPr lang="en-US" kern="1200">
+                <a:solidFill>
+                  <a:srgbClr val="595959"/>
+                </a:solidFill>
+                <a:latin typeface="+mn-lt"/>
+                <a:ea typeface="+mn-ea"/>
+                <a:cs typeface="+mn-cs"/>
+              </a:rPr>
+              <a:t>©2019 Token Taxonomy Initiative Inc. (“TTI”).  All Rights Reserved. </a:t>
+            </a:r>
+          </a:p>
+        </p:txBody>
+      </p:sp>
+      <p:sp>
+        <p:nvSpPr>
+          <p:cNvPr id="7" name="Rectangle 6">
+            <a:extLst>
+              <a:ext uri="{FF2B5EF4-FFF2-40B4-BE49-F238E27FC236}">
+                <a16:creationId xmlns:a16="http://schemas.microsoft.com/office/drawing/2014/main" id="{B2E319C6-447F-9747-86CC-436285A1CB6D}"/>
+              </a:ext>
+            </a:extLst>
+          </p:cNvPr>
+          <p:cNvSpPr/>
+          <p:nvPr/>
+        </p:nvSpPr>
+        <p:spPr>
+          <a:xfrm>
+            <a:off x="1737674" y="4025870"/>
+            <a:ext cx="1636089" cy="369332"/>
+          </a:xfrm>
+          <a:prstGeom prst="rect">
+            <a:avLst/>
+          </a:prstGeom>
+        </p:spPr>
+        <p:txBody>
+          <a:bodyPr wrap="none">
+            <a:spAutoFit/>
+          </a:bodyPr>
+          <a:lstStyle/>
+          <a:p>
+            <a:r>
+              <a:rPr lang="en-US" dirty="0">
+                <a:solidFill>
+                  <a:srgbClr val="FFFFFF"/>
+                </a:solidFill>
+              </a:rPr>
+              <a:t>Relational View</a:t>
+            </a:r>
+            <a:endParaRPr lang="en-US" dirty="0"/>
+          </a:p>
+        </p:txBody>
+      </p:sp>
+    </p:spTree>
+    <p:extLst>
+      <p:ext uri="{BB962C8B-B14F-4D97-AF65-F5344CB8AC3E}">
+        <p14:creationId xmlns:p14="http://schemas.microsoft.com/office/powerpoint/2010/main" val="769698980"/>
+      </p:ext>
+    </p:extLst>
+  </p:cSld>
+  <p:clrMapOvr>
+    <a:masterClrMapping/>
+  </p:clrMapOvr>
+</p:sld>
+</file>
+
+<file path=ppt/slides/slide12.xml><?xml version="1.0" encoding="utf-8"?>
+<p:sld xmlns:a="http://schemas.openxmlformats.org/drawingml/2006/main" xmlns:r="http://schemas.openxmlformats.org/officeDocument/2006/relationships" xmlns:p="http://schemas.openxmlformats.org/presentationml/2006/main">
+  <p:cSld>
+    <p:bg>
+      <p:bgPr>
+        <a:solidFill>
+          <a:schemeClr val="bg1"/>
+        </a:solidFill>
+        <a:effectLst/>
+      </p:bgPr>
+    </p:bg>
+    <p:spTree>
+      <p:nvGrpSpPr>
+        <p:cNvPr id="1" name=""/>
+        <p:cNvGrpSpPr/>
+        <p:nvPr/>
+      </p:nvGrpSpPr>
+      <p:grpSpPr>
+        <a:xfrm>
+          <a:off x="0" y="0"/>
+          <a:ext cx="0" cy="0"/>
+          <a:chOff x="0" y="0"/>
+          <a:chExt cx="0" cy="0"/>
+        </a:xfrm>
+      </p:grpSpPr>
+      <p:sp>
+        <p:nvSpPr>
+          <p:cNvPr id="11" name="Rectangle 10">
+            <a:extLst>
+              <a:ext uri="{FF2B5EF4-FFF2-40B4-BE49-F238E27FC236}">
+                <a16:creationId xmlns:a16="http://schemas.microsoft.com/office/drawing/2014/main" id="{6753252F-4873-4F63-801D-CC719279A7D5}"/>
+              </a:ext>
+              <a:ext uri="{C183D7F6-B498-43B3-948B-1728B52AA6E4}">
+                <adec:decorative xmlns:adec="http://schemas.microsoft.com/office/drawing/2017/decorative" val="1"/>
+              </a:ext>
+            </a:extLst>
+          </p:cNvPr>
+          <p:cNvSpPr>
+            <a:spLocks noGrp="1" noRot="1" noChangeAspect="1" noMove="1" noResize="1" noEditPoints="1" noAdjustHandles="1" noChangeArrowheads="1" noChangeShapeType="1" noTextEdit="1"/>
+          </p:cNvSpPr>
+          <p:nvPr>
+            <p:extLst>
+              <p:ext uri="{386F3935-93C4-4BCD-93E2-E3B085C9AB24}">
+                <p16:designElem xmlns:p16="http://schemas.microsoft.com/office/powerpoint/2015/main" val="1"/>
+              </p:ext>
+            </p:extLst>
+          </p:nvPr>
+        </p:nvSpPr>
+        <p:spPr>
+          <a:xfrm>
+            <a:off x="0" y="0"/>
+            <a:ext cx="12192000" cy="6858000"/>
+          </a:xfrm>
+          <a:prstGeom prst="rect">
+            <a:avLst/>
+          </a:prstGeom>
+          <a:solidFill>
+            <a:srgbClr val="FFFFFF"/>
+          </a:solidFill>
+          <a:ln>
+            <a:noFill/>
+          </a:ln>
+        </p:spPr>
+        <p:style>
+          <a:lnRef idx="2">
+            <a:schemeClr val="accent1">
+              <a:shade val="50000"/>
+            </a:schemeClr>
+          </a:lnRef>
+          <a:fillRef idx="1">
+            <a:schemeClr val="accent1"/>
+          </a:fillRef>
+          <a:effectRef idx="0">
+            <a:schemeClr val="accent1"/>
+          </a:effectRef>
+          <a:fontRef idx="minor">
+            <a:schemeClr val="lt1"/>
+          </a:fontRef>
+        </p:style>
+        <p:txBody>
+          <a:bodyPr rtlCol="0" anchor="ctr"/>
+          <a:lstStyle/>
+          <a:p>
+            <a:pPr marL="0" marR="0" lvl="0" indent="0" algn="ctr" defTabSz="914400" rtl="0" eaLnBrk="1" fontAlgn="auto" latinLnBrk="0" hangingPunct="1">
+              <a:lnSpc>
+                <a:spcPct val="100000"/>
+              </a:lnSpc>
+              <a:spcBef>
+                <a:spcPts val="0"/>
+              </a:spcBef>
+              <a:spcAft>
+                <a:spcPts val="0"/>
+              </a:spcAft>
+              <a:buClrTx/>
+              <a:buSzTx/>
+              <a:buFontTx/>
+              <a:buNone/>
+              <a:tabLst/>
+              <a:defRPr/>
+            </a:pPr>
+            <a:endParaRPr kumimoji="0" lang="en-US" sz="1800" b="0" i="0" u="none" strike="noStrike" kern="1200" cap="none" spc="0" normalizeH="0" baseline="0" noProof="0">
+              <a:ln>
+                <a:noFill/>
+              </a:ln>
+              <a:solidFill>
+                <a:prstClr val="white"/>
+              </a:solidFill>
+              <a:effectLst/>
+              <a:uLnTx/>
+              <a:uFillTx/>
+              <a:latin typeface="Calibri" panose="020F0502020204030204"/>
+              <a:ea typeface="+mn-ea"/>
+              <a:cs typeface="+mn-cs"/>
+            </a:endParaRPr>
+          </a:p>
+        </p:txBody>
+      </p:sp>
+      <p:sp>
+        <p:nvSpPr>
+          <p:cNvPr id="13" name="Rectangle 12">
+            <a:extLst>
+              <a:ext uri="{FF2B5EF4-FFF2-40B4-BE49-F238E27FC236}">
+                <a16:creationId xmlns:a16="http://schemas.microsoft.com/office/drawing/2014/main" id="{047C8CCB-F95D-4249-92DD-651249D3535A}"/>
+              </a:ext>
+              <a:ext uri="{C183D7F6-B498-43B3-948B-1728B52AA6E4}">
+                <adec:decorative xmlns:adec="http://schemas.microsoft.com/office/drawing/2017/decorative" val="1"/>
+              </a:ext>
+            </a:extLst>
+          </p:cNvPr>
+          <p:cNvSpPr>
+            <a:spLocks noGrp="1" noRot="1" noChangeAspect="1" noMove="1" noResize="1" noEditPoints="1" noAdjustHandles="1" noChangeArrowheads="1" noChangeShapeType="1" noTextEdit="1"/>
+          </p:cNvSpPr>
+          <p:nvPr>
+            <p:extLst>
+              <p:ext uri="{386F3935-93C4-4BCD-93E2-E3B085C9AB24}">
+                <p16:designElem xmlns:p16="http://schemas.microsoft.com/office/powerpoint/2015/main" val="1"/>
+              </p:ext>
+            </p:extLst>
+          </p:nvPr>
+        </p:nvSpPr>
+        <p:spPr>
+          <a:xfrm>
+            <a:off x="0" y="0"/>
+            <a:ext cx="2013557" cy="6858000"/>
+          </a:xfrm>
+          <a:prstGeom prst="rect">
+            <a:avLst/>
+          </a:prstGeom>
+          <a:solidFill>
+            <a:srgbClr val="7F7F7F"/>
+          </a:solidFill>
+          <a:ln>
+            <a:noFill/>
+          </a:ln>
+        </p:spPr>
+        <p:style>
+          <a:lnRef idx="2">
+            <a:schemeClr val="accent1">
+              <a:shade val="50000"/>
+            </a:schemeClr>
+          </a:lnRef>
+          <a:fillRef idx="1">
+            <a:schemeClr val="accent1"/>
+          </a:fillRef>
+          <a:effectRef idx="0">
+            <a:schemeClr val="accent1"/>
+          </a:effectRef>
+          <a:fontRef idx="minor">
+            <a:schemeClr val="lt1"/>
+          </a:fontRef>
+        </p:style>
+        <p:txBody>
+          <a:bodyPr rtlCol="0" anchor="ctr"/>
+          <a:lstStyle/>
+          <a:p>
+            <a:pPr marL="0" marR="0" lvl="0" indent="0" algn="ctr" defTabSz="914400" rtl="0" eaLnBrk="1" fontAlgn="auto" latinLnBrk="0" hangingPunct="1">
+              <a:lnSpc>
+                <a:spcPct val="100000"/>
+              </a:lnSpc>
+              <a:spcBef>
+                <a:spcPts val="0"/>
+              </a:spcBef>
+              <a:spcAft>
+                <a:spcPts val="0"/>
+              </a:spcAft>
+              <a:buClrTx/>
+              <a:buSzTx/>
+              <a:buFontTx/>
+              <a:buNone/>
+              <a:tabLst/>
+              <a:defRPr/>
+            </a:pPr>
+            <a:endParaRPr kumimoji="0" lang="en-US" sz="1800" b="0" i="0" u="none" strike="noStrike" kern="1200" cap="none" spc="0" normalizeH="0" baseline="0" noProof="0">
+              <a:ln>
+                <a:noFill/>
+              </a:ln>
+              <a:solidFill>
+                <a:prstClr val="white"/>
+              </a:solidFill>
+              <a:effectLst/>
+              <a:uLnTx/>
+              <a:uFillTx/>
+              <a:latin typeface="Calibri" panose="020F0502020204030204"/>
+              <a:ea typeface="+mn-ea"/>
+              <a:cs typeface="+mn-cs"/>
+            </a:endParaRPr>
+          </a:p>
+        </p:txBody>
+      </p:sp>
+      <p:sp>
+        <p:nvSpPr>
+          <p:cNvPr id="2" name="Title 1">
+            <a:extLst>
+              <a:ext uri="{FF2B5EF4-FFF2-40B4-BE49-F238E27FC236}">
+                <a16:creationId xmlns:a16="http://schemas.microsoft.com/office/drawing/2014/main" id="{7402D993-A93B-394D-8BBE-026999B0CA88}"/>
+              </a:ext>
+            </a:extLst>
+          </p:cNvPr>
+          <p:cNvSpPr>
+            <a:spLocks noGrp="1"/>
+          </p:cNvSpPr>
+          <p:nvPr>
+            <p:ph type="title"/>
+          </p:nvPr>
+        </p:nvSpPr>
+        <p:spPr>
+          <a:xfrm>
+            <a:off x="640080" y="2074363"/>
+            <a:ext cx="2752354" cy="2709275"/>
+          </a:xfrm>
+          <a:prstGeom prst="ellipse">
+            <a:avLst/>
+          </a:prstGeom>
+          <a:solidFill>
+            <a:srgbClr val="262626"/>
+          </a:solidFill>
+          <a:ln w="174625" cmpd="thinThick">
+            <a:solidFill>
+              <a:srgbClr val="262626"/>
+            </a:solidFill>
+          </a:ln>
+        </p:spPr>
+        <p:txBody>
+          <a:bodyPr vert="horz" lIns="91440" tIns="45720" rIns="91440" bIns="45720" rtlCol="0" anchor="ctr">
+            <a:normAutofit/>
+          </a:bodyPr>
+          <a:lstStyle/>
+          <a:p>
+            <a:pPr algn="ctr"/>
+            <a:r>
+              <a:rPr lang="en-US" sz="2200" kern="1200" dirty="0">
+                <a:solidFill>
+                  <a:srgbClr val="FFFFFF"/>
+                </a:solidFill>
+                <a:latin typeface="+mj-lt"/>
+                <a:ea typeface="+mj-ea"/>
+                <a:cs typeface="+mj-cs"/>
+              </a:rPr>
+              <a:t>TOM-</a:t>
+            </a:r>
+            <a:r>
+              <a:rPr lang="en-US" sz="2200" kern="1200" dirty="0" err="1">
+                <a:solidFill>
+                  <a:srgbClr val="FFFFFF"/>
+                </a:solidFill>
+                <a:latin typeface="+mj-lt"/>
+                <a:ea typeface="+mj-ea"/>
+                <a:cs typeface="+mj-cs"/>
+              </a:rPr>
+              <a:t>BehaviorGroup</a:t>
+            </a:r>
+            <a:endParaRPr lang="en-US" sz="2200" kern="1200" dirty="0">
+              <a:solidFill>
+                <a:srgbClr val="FFFFFF"/>
+              </a:solidFill>
+              <a:latin typeface="+mj-lt"/>
+              <a:ea typeface="+mj-ea"/>
+              <a:cs typeface="+mj-cs"/>
+            </a:endParaRPr>
+          </a:p>
+        </p:txBody>
+      </p:sp>
+      <p:pic>
+        <p:nvPicPr>
+          <p:cNvPr id="6" name="Content Placeholder 5">
+            <a:extLst>
+              <a:ext uri="{FF2B5EF4-FFF2-40B4-BE49-F238E27FC236}">
+                <a16:creationId xmlns:a16="http://schemas.microsoft.com/office/drawing/2014/main" id="{4284D343-D096-B046-AFE4-970FF4F84AC2}"/>
+              </a:ext>
+            </a:extLst>
+          </p:cNvPr>
+          <p:cNvPicPr>
+            <a:picLocks noGrp="1" noChangeAspect="1"/>
+          </p:cNvPicPr>
+          <p:nvPr>
+            <p:ph idx="1"/>
+          </p:nvPr>
+        </p:nvPicPr>
+        <p:blipFill>
+          <a:blip r:embed="rId2"/>
+          <a:srcRect/>
+          <a:stretch/>
+        </p:blipFill>
+        <p:spPr>
+          <a:xfrm>
+            <a:off x="4286305" y="1437593"/>
+            <a:ext cx="6380631" cy="3982813"/>
+          </a:xfrm>
+          <a:prstGeom prst="rect">
+            <a:avLst/>
+          </a:prstGeom>
+        </p:spPr>
+      </p:pic>
+      <p:sp>
+        <p:nvSpPr>
+          <p:cNvPr id="4" name="Footer Placeholder 3">
+            <a:extLst>
+              <a:ext uri="{FF2B5EF4-FFF2-40B4-BE49-F238E27FC236}">
+                <a16:creationId xmlns:a16="http://schemas.microsoft.com/office/drawing/2014/main" id="{0DA0E6F7-07D0-9D4F-B263-14D3EF269B82}"/>
+              </a:ext>
+            </a:extLst>
+          </p:cNvPr>
+          <p:cNvSpPr>
+            <a:spLocks noGrp="1"/>
+          </p:cNvSpPr>
+          <p:nvPr>
+            <p:ph type="ftr" sz="quarter" idx="11"/>
+          </p:nvPr>
+        </p:nvSpPr>
+        <p:spPr>
+          <a:xfrm>
+            <a:off x="4116613" y="6356350"/>
+            <a:ext cx="7032172" cy="365125"/>
+          </a:xfrm>
+        </p:spPr>
+        <p:txBody>
+          <a:bodyPr vert="horz" lIns="91440" tIns="45720" rIns="91440" bIns="45720" rtlCol="0" anchor="ctr">
+            <a:normAutofit/>
+          </a:bodyPr>
+          <a:lstStyle/>
+          <a:p>
+            <a:pPr marL="0" marR="0" lvl="0" indent="0" algn="ctr" defTabSz="914400" rtl="0" eaLnBrk="1" fontAlgn="auto" latinLnBrk="0" hangingPunct="1">
+              <a:lnSpc>
+                <a:spcPct val="100000"/>
+              </a:lnSpc>
+              <a:spcBef>
+                <a:spcPts val="0"/>
+              </a:spcBef>
+              <a:spcAft>
+                <a:spcPts val="600"/>
+              </a:spcAft>
+              <a:buClrTx/>
+              <a:buSzTx/>
+              <a:buFontTx/>
+              <a:buNone/>
+              <a:tabLst/>
+              <a:defRPr/>
+            </a:pPr>
+            <a:r>
+              <a:rPr kumimoji="0" lang="en-US" sz="1200" b="0" i="0" u="none" strike="noStrike" kern="1200" cap="none" spc="0" normalizeH="0" baseline="0" noProof="0">
+                <a:ln>
+                  <a:noFill/>
+                </a:ln>
+                <a:solidFill>
+                  <a:srgbClr val="898989"/>
+                </a:solidFill>
+                <a:effectLst/>
+                <a:uLnTx/>
+                <a:uFillTx/>
+                <a:latin typeface="Calibri" panose="020F0502020204030204"/>
+                <a:ea typeface="+mn-ea"/>
+                <a:cs typeface="+mn-cs"/>
+              </a:rPr>
+              <a:t>©2019 Token Taxonomy Initiative Inc. (“TTI”).  All Rights Reserved. </a:t>
+            </a:r>
+          </a:p>
+        </p:txBody>
+      </p:sp>
+    </p:spTree>
+    <p:extLst>
+      <p:ext uri="{BB962C8B-B14F-4D97-AF65-F5344CB8AC3E}">
+        <p14:creationId xmlns:p14="http://schemas.microsoft.com/office/powerpoint/2010/main" val="2268834075"/>
+      </p:ext>
+    </p:extLst>
+  </p:cSld>
+  <p:clrMapOvr>
+    <a:masterClrMapping/>
+  </p:clrMapOvr>
+</p:sld>
+</file>
+
+<file path=ppt/slides/slide13.xml><?xml version="1.0" encoding="utf-8"?>
+<p:sld xmlns:a="http://schemas.openxmlformats.org/drawingml/2006/main" xmlns:r="http://schemas.openxmlformats.org/officeDocument/2006/relationships" xmlns:p="http://schemas.openxmlformats.org/presentationml/2006/main">
+  <p:cSld>
+    <p:bg>
+      <p:bgPr>
+        <a:solidFill>
+          <a:schemeClr val="bg1"/>
+        </a:solidFill>
+        <a:effectLst/>
+      </p:bgPr>
+    </p:bg>
+    <p:spTree>
+      <p:nvGrpSpPr>
+        <p:cNvPr id="1" name=""/>
+        <p:cNvGrpSpPr/>
+        <p:nvPr/>
+      </p:nvGrpSpPr>
+      <p:grpSpPr>
+        <a:xfrm>
+          <a:off x="0" y="0"/>
+          <a:ext cx="0" cy="0"/>
+          <a:chOff x="0" y="0"/>
+          <a:chExt cx="0" cy="0"/>
+        </a:xfrm>
+      </p:grpSpPr>
+      <p:sp>
+        <p:nvSpPr>
+          <p:cNvPr id="11" name="Rectangle 10">
+            <a:extLst>
+              <a:ext uri="{FF2B5EF4-FFF2-40B4-BE49-F238E27FC236}">
                 <a16:creationId xmlns:a16="http://schemas.microsoft.com/office/drawing/2014/main" id="{6753252F-4873-4F63-801D-CC719279A7D5}"/>
               </a:ext>
               <a:ext uri="{C183D7F6-B498-43B3-948B-1728B52AA6E4}">
@@ -30512,7 +31555,353 @@
 </p:sld>
 </file>
 
-<file path=ppt/slides/slide11.xml><?xml version="1.0" encoding="utf-8"?>
+<file path=ppt/slides/slide14.xml><?xml version="1.0" encoding="utf-8"?>
+<p:sld xmlns:a="http://schemas.openxmlformats.org/drawingml/2006/main" xmlns:r="http://schemas.openxmlformats.org/officeDocument/2006/relationships" xmlns:p="http://schemas.openxmlformats.org/presentationml/2006/main">
+  <p:cSld>
+    <p:bg>
+      <p:bgPr>
+        <a:solidFill>
+          <a:schemeClr val="bg1"/>
+        </a:solidFill>
+        <a:effectLst/>
+      </p:bgPr>
+    </p:bg>
+    <p:spTree>
+      <p:nvGrpSpPr>
+        <p:cNvPr id="1" name=""/>
+        <p:cNvGrpSpPr/>
+        <p:nvPr/>
+      </p:nvGrpSpPr>
+      <p:grpSpPr>
+        <a:xfrm>
+          <a:off x="0" y="0"/>
+          <a:ext cx="0" cy="0"/>
+          <a:chOff x="0" y="0"/>
+          <a:chExt cx="0" cy="0"/>
+        </a:xfrm>
+      </p:grpSpPr>
+      <p:sp>
+        <p:nvSpPr>
+          <p:cNvPr id="11" name="Rectangle 10">
+            <a:extLst>
+              <a:ext uri="{FF2B5EF4-FFF2-40B4-BE49-F238E27FC236}">
+                <a16:creationId xmlns:a16="http://schemas.microsoft.com/office/drawing/2014/main" id="{AB45A142-4255-493C-8284-5D566C121B10}"/>
+              </a:ext>
+              <a:ext uri="{C183D7F6-B498-43B3-948B-1728B52AA6E4}">
+                <adec:decorative xmlns:adec="http://schemas.microsoft.com/office/drawing/2017/decorative" val="1"/>
+              </a:ext>
+            </a:extLst>
+          </p:cNvPr>
+          <p:cNvSpPr>
+            <a:spLocks noGrp="1" noRot="1" noChangeAspect="1" noMove="1" noResize="1" noEditPoints="1" noAdjustHandles="1" noChangeArrowheads="1" noChangeShapeType="1" noTextEdit="1"/>
+          </p:cNvSpPr>
+          <p:nvPr>
+            <p:extLst>
+              <p:ext uri="{386F3935-93C4-4BCD-93E2-E3B085C9AB24}">
+                <p16:designElem xmlns:p16="http://schemas.microsoft.com/office/powerpoint/2015/main" val="1"/>
+              </p:ext>
+            </p:extLst>
+          </p:nvPr>
+        </p:nvSpPr>
+        <p:spPr bwMode="ltGray">
+          <a:xfrm>
+            <a:off x="336884" y="321177"/>
+            <a:ext cx="4332307" cy="6179552"/>
+          </a:xfrm>
+          <a:prstGeom prst="rect">
+            <a:avLst/>
+          </a:prstGeom>
+          <a:solidFill>
+            <a:srgbClr val="404040">
+              <a:alpha val="89804"/>
+            </a:srgbClr>
+          </a:solidFill>
+          <a:ln w="127000" cap="sq" cmpd="thinThick">
+            <a:solidFill>
+              <a:srgbClr val="595959">
+                <a:alpha val="80000"/>
+              </a:srgbClr>
+            </a:solidFill>
+          </a:ln>
+        </p:spPr>
+        <p:style>
+          <a:lnRef idx="2">
+            <a:schemeClr val="accent1">
+              <a:shade val="50000"/>
+            </a:schemeClr>
+          </a:lnRef>
+          <a:fillRef idx="1">
+            <a:schemeClr val="accent1"/>
+          </a:fillRef>
+          <a:effectRef idx="0">
+            <a:schemeClr val="accent1"/>
+          </a:effectRef>
+          <a:fontRef idx="minor">
+            <a:schemeClr val="lt1"/>
+          </a:fontRef>
+        </p:style>
+        <p:txBody>
+          <a:bodyPr rtlCol="0" anchor="ctr"/>
+          <a:lstStyle/>
+          <a:p>
+            <a:pPr marL="0" marR="0" lvl="0" indent="0" algn="ctr" defTabSz="914400" rtl="0" eaLnBrk="1" fontAlgn="auto" latinLnBrk="0" hangingPunct="1">
+              <a:lnSpc>
+                <a:spcPct val="100000"/>
+              </a:lnSpc>
+              <a:spcBef>
+                <a:spcPts val="0"/>
+              </a:spcBef>
+              <a:spcAft>
+                <a:spcPts val="0"/>
+              </a:spcAft>
+              <a:buClrTx/>
+              <a:buSzTx/>
+              <a:buFontTx/>
+              <a:buNone/>
+              <a:tabLst/>
+              <a:defRPr/>
+            </a:pPr>
+            <a:endParaRPr kumimoji="0" lang="en-US" sz="1800" b="0" i="0" u="none" strike="noStrike" kern="1200" cap="none" spc="0" normalizeH="0" baseline="0" noProof="0">
+              <a:ln>
+                <a:noFill/>
+              </a:ln>
+              <a:solidFill>
+                <a:prstClr val="white"/>
+              </a:solidFill>
+              <a:effectLst/>
+              <a:uLnTx/>
+              <a:uFillTx/>
+              <a:latin typeface="Calibri" panose="020F0502020204030204"/>
+              <a:ea typeface="+mn-ea"/>
+              <a:cs typeface="+mn-cs"/>
+            </a:endParaRPr>
+          </a:p>
+        </p:txBody>
+      </p:sp>
+      <p:sp>
+        <p:nvSpPr>
+          <p:cNvPr id="2" name="Title 1">
+            <a:extLst>
+              <a:ext uri="{FF2B5EF4-FFF2-40B4-BE49-F238E27FC236}">
+                <a16:creationId xmlns:a16="http://schemas.microsoft.com/office/drawing/2014/main" id="{3FFD519D-57FE-6544-B17E-56F4EA362DE9}"/>
+              </a:ext>
+            </a:extLst>
+          </p:cNvPr>
+          <p:cNvSpPr>
+            <a:spLocks noGrp="1"/>
+          </p:cNvSpPr>
+          <p:nvPr>
+            <p:ph type="title"/>
+          </p:nvPr>
+        </p:nvSpPr>
+        <p:spPr>
+          <a:xfrm>
+            <a:off x="497840" y="914400"/>
+            <a:ext cx="4084319" cy="2887579"/>
+          </a:xfrm>
+        </p:spPr>
+        <p:txBody>
+          <a:bodyPr vert="horz" lIns="91440" tIns="45720" rIns="91440" bIns="45720" rtlCol="0" anchor="b">
+            <a:normAutofit/>
+          </a:bodyPr>
+          <a:lstStyle/>
+          <a:p>
+            <a:pPr algn="ctr"/>
+            <a:r>
+              <a:rPr lang="en-US" sz="4000" kern="1200" dirty="0">
+                <a:solidFill>
+                  <a:srgbClr val="FFFFFF"/>
+                </a:solidFill>
+                <a:latin typeface="+mj-lt"/>
+                <a:ea typeface="+mj-ea"/>
+                <a:cs typeface="+mj-cs"/>
+              </a:rPr>
+              <a:t>TOM-</a:t>
+            </a:r>
+            <a:r>
+              <a:rPr lang="en-US" sz="4000" kern="1200" dirty="0" err="1">
+                <a:solidFill>
+                  <a:srgbClr val="FFFFFF"/>
+                </a:solidFill>
+                <a:latin typeface="+mj-lt"/>
+                <a:ea typeface="+mj-ea"/>
+                <a:cs typeface="+mj-cs"/>
+              </a:rPr>
+              <a:t>PropertySet</a:t>
+            </a:r>
+            <a:endParaRPr lang="en-US" sz="4000" kern="1200" dirty="0">
+              <a:solidFill>
+                <a:srgbClr val="FFFFFF"/>
+              </a:solidFill>
+              <a:latin typeface="+mj-lt"/>
+              <a:ea typeface="+mj-ea"/>
+              <a:cs typeface="+mj-cs"/>
+            </a:endParaRPr>
+          </a:p>
+        </p:txBody>
+      </p:sp>
+      <p:cxnSp>
+        <p:nvCxnSpPr>
+          <p:cNvPr id="13" name="Straight Connector 12">
+            <a:extLst>
+              <a:ext uri="{FF2B5EF4-FFF2-40B4-BE49-F238E27FC236}">
+                <a16:creationId xmlns:a16="http://schemas.microsoft.com/office/drawing/2014/main" id="{38FB9660-F42F-4313-BBC4-47C007FE484C}"/>
+              </a:ext>
+              <a:ext uri="{C183D7F6-B498-43B3-948B-1728B52AA6E4}">
+                <adec:decorative xmlns:adec="http://schemas.microsoft.com/office/drawing/2017/decorative" val="1"/>
+              </a:ext>
+            </a:extLst>
+          </p:cNvPr>
+          <p:cNvCxnSpPr>
+            <a:cxnSpLocks noGrp="1" noRot="1" noChangeAspect="1" noMove="1" noResize="1" noEditPoints="1" noAdjustHandles="1" noChangeArrowheads="1" noChangeShapeType="1"/>
+          </p:cNvCxnSpPr>
+          <p:nvPr>
+            <p:extLst>
+              <p:ext uri="{386F3935-93C4-4BCD-93E2-E3B085C9AB24}">
+                <p16:designElem xmlns:p16="http://schemas.microsoft.com/office/powerpoint/2015/main" val="1"/>
+              </p:ext>
+            </p:extLst>
+          </p:nvPr>
+        </p:nvCxnSpPr>
+        <p:spPr>
+          <a:xfrm>
+            <a:off x="1191126" y="3910267"/>
+            <a:ext cx="2586790" cy="0"/>
+          </a:xfrm>
+          <a:prstGeom prst="line">
+            <a:avLst/>
+          </a:prstGeom>
+          <a:ln w="22225">
+            <a:solidFill>
+              <a:srgbClr val="D9D9D9"/>
+            </a:solidFill>
+          </a:ln>
+        </p:spPr>
+        <p:style>
+          <a:lnRef idx="1">
+            <a:schemeClr val="accent1"/>
+          </a:lnRef>
+          <a:fillRef idx="0">
+            <a:schemeClr val="accent1"/>
+          </a:fillRef>
+          <a:effectRef idx="0">
+            <a:schemeClr val="accent1"/>
+          </a:effectRef>
+          <a:fontRef idx="minor">
+            <a:schemeClr val="tx1"/>
+          </a:fontRef>
+        </p:style>
+      </p:cxnSp>
+      <p:pic>
+        <p:nvPicPr>
+          <p:cNvPr id="6" name="Content Placeholder 5">
+            <a:extLst>
+              <a:ext uri="{FF2B5EF4-FFF2-40B4-BE49-F238E27FC236}">
+                <a16:creationId xmlns:a16="http://schemas.microsoft.com/office/drawing/2014/main" id="{BE89BC7E-DC59-FC4B-8273-718615F9489A}"/>
+              </a:ext>
+            </a:extLst>
+          </p:cNvPr>
+          <p:cNvPicPr>
+            <a:picLocks noGrp="1" noChangeAspect="1"/>
+          </p:cNvPicPr>
+          <p:nvPr>
+            <p:ph idx="1"/>
+          </p:nvPr>
+        </p:nvPicPr>
+        <p:blipFill>
+          <a:blip r:embed="rId2"/>
+          <a:srcRect/>
+          <a:stretch/>
+        </p:blipFill>
+        <p:spPr>
+          <a:xfrm>
+            <a:off x="6096000" y="1337071"/>
+            <a:ext cx="4880656" cy="4548722"/>
+          </a:xfrm>
+          <a:prstGeom prst="rect">
+            <a:avLst/>
+          </a:prstGeom>
+        </p:spPr>
+      </p:pic>
+      <p:sp>
+        <p:nvSpPr>
+          <p:cNvPr id="4" name="Footer Placeholder 3">
+            <a:extLst>
+              <a:ext uri="{FF2B5EF4-FFF2-40B4-BE49-F238E27FC236}">
+                <a16:creationId xmlns:a16="http://schemas.microsoft.com/office/drawing/2014/main" id="{C55CA872-6A31-5A4F-9BCA-D01E882CB5B8}"/>
+              </a:ext>
+            </a:extLst>
+          </p:cNvPr>
+          <p:cNvSpPr>
+            <a:spLocks noGrp="1"/>
+          </p:cNvSpPr>
+          <p:nvPr>
+            <p:ph type="ftr" sz="quarter" idx="11"/>
+          </p:nvPr>
+        </p:nvSpPr>
+        <p:spPr>
+          <a:xfrm>
+            <a:off x="5153822" y="6356350"/>
+            <a:ext cx="4615820" cy="365125"/>
+          </a:xfrm>
+        </p:spPr>
+        <p:txBody>
+          <a:bodyPr vert="horz" lIns="91440" tIns="45720" rIns="91440" bIns="45720" rtlCol="0" anchor="ctr">
+            <a:normAutofit/>
+          </a:bodyPr>
+          <a:lstStyle/>
+          <a:p>
+            <a:pPr marL="0" marR="0" lvl="0" indent="0" algn="l" defTabSz="914400" rtl="0" eaLnBrk="1" fontAlgn="auto" latinLnBrk="0" hangingPunct="1">
+              <a:lnSpc>
+                <a:spcPct val="100000"/>
+              </a:lnSpc>
+              <a:spcBef>
+                <a:spcPts val="0"/>
+              </a:spcBef>
+              <a:spcAft>
+                <a:spcPts val="600"/>
+              </a:spcAft>
+              <a:buClrTx/>
+              <a:buSzTx/>
+              <a:buFontTx/>
+              <a:buNone/>
+              <a:tabLst/>
+              <a:defRPr/>
+            </a:pPr>
+            <a:r>
+              <a:rPr kumimoji="0" lang="en-US" sz="1200" b="0" i="0" u="none" strike="noStrike" kern="1200" cap="none" spc="0" normalizeH="0" baseline="0" noProof="0">
+                <a:ln>
+                  <a:noFill/>
+                </a:ln>
+                <a:solidFill>
+                  <a:srgbClr val="595959"/>
+                </a:solidFill>
+                <a:effectLst/>
+                <a:uLnTx/>
+                <a:uFillTx/>
+                <a:latin typeface="Calibri" panose="020F0502020204030204"/>
+                <a:ea typeface="+mn-ea"/>
+                <a:cs typeface="+mn-cs"/>
+              </a:rPr>
+              <a:t>©2019 Token Taxonomy Initiative Inc. (“TTI”).  All Rights Reserved. </a:t>
+            </a:r>
+          </a:p>
+        </p:txBody>
+      </p:sp>
+    </p:spTree>
+    <p:extLst>
+      <p:ext uri="{BB962C8B-B14F-4D97-AF65-F5344CB8AC3E}">
+        <p14:creationId xmlns:p14="http://schemas.microsoft.com/office/powerpoint/2010/main" val="2555348720"/>
+      </p:ext>
+    </p:extLst>
+  </p:cSld>
+  <p:clrMapOvr>
+    <a:masterClrMapping/>
+  </p:clrMapOvr>
+</p:sld>
+</file>
+
+<file path=ppt/slides/slide15.xml><?xml version="1.0" encoding="utf-8"?>
 <p:sld xmlns:a="http://schemas.openxmlformats.org/drawingml/2006/main" xmlns:r="http://schemas.openxmlformats.org/officeDocument/2006/relationships" xmlns:p="http://schemas.openxmlformats.org/presentationml/2006/main">
   <p:cSld>
     <p:bg>
@@ -30851,7 +32240,264 @@
 </p:sld>
 </file>
 
-<file path=ppt/slides/slide12.xml><?xml version="1.0" encoding="utf-8"?>
+<file path=ppt/slides/slide16.xml><?xml version="1.0" encoding="utf-8"?>
+<p:sld xmlns:a="http://schemas.openxmlformats.org/drawingml/2006/main" xmlns:r="http://schemas.openxmlformats.org/officeDocument/2006/relationships" xmlns:p="http://schemas.openxmlformats.org/presentationml/2006/main">
+  <p:cSld>
+    <p:bg>
+      <p:bgPr>
+        <a:solidFill>
+          <a:schemeClr val="bg1"/>
+        </a:solidFill>
+        <a:effectLst/>
+      </p:bgPr>
+    </p:bg>
+    <p:spTree>
+      <p:nvGrpSpPr>
+        <p:cNvPr id="1" name=""/>
+        <p:cNvGrpSpPr/>
+        <p:nvPr/>
+      </p:nvGrpSpPr>
+      <p:grpSpPr>
+        <a:xfrm>
+          <a:off x="0" y="0"/>
+          <a:ext cx="0" cy="0"/>
+          <a:chOff x="0" y="0"/>
+          <a:chExt cx="0" cy="0"/>
+        </a:xfrm>
+      </p:grpSpPr>
+      <p:sp>
+        <p:nvSpPr>
+          <p:cNvPr id="22" name="Rectangle 17">
+            <a:extLst>
+              <a:ext uri="{FF2B5EF4-FFF2-40B4-BE49-F238E27FC236}">
+                <a16:creationId xmlns:a16="http://schemas.microsoft.com/office/drawing/2014/main" id="{A4AC5506-6312-4701-8D3C-40187889A947}"/>
+              </a:ext>
+              <a:ext uri="{C183D7F6-B498-43B3-948B-1728B52AA6E4}">
+                <adec:decorative xmlns:adec="http://schemas.microsoft.com/office/drawing/2017/decorative" val="1"/>
+              </a:ext>
+            </a:extLst>
+          </p:cNvPr>
+          <p:cNvSpPr>
+            <a:spLocks noGrp="1" noRot="1" noChangeAspect="1" noMove="1" noResize="1" noEditPoints="1" noAdjustHandles="1" noChangeArrowheads="1" noChangeShapeType="1" noTextEdit="1"/>
+          </p:cNvSpPr>
+          <p:nvPr>
+            <p:extLst>
+              <p:ext uri="{386F3935-93C4-4BCD-93E2-E3B085C9AB24}">
+                <p16:designElem xmlns:p16="http://schemas.microsoft.com/office/powerpoint/2015/main" val="1"/>
+              </p:ext>
+            </p:extLst>
+          </p:nvPr>
+        </p:nvSpPr>
+        <p:spPr>
+          <a:xfrm>
+            <a:off x="0" y="651752"/>
+            <a:ext cx="12192000" cy="736551"/>
+          </a:xfrm>
+          <a:prstGeom prst="rect">
+            <a:avLst/>
+          </a:prstGeom>
+          <a:solidFill>
+            <a:schemeClr val="tx1"/>
+          </a:solidFill>
+          <a:ln>
+            <a:noFill/>
+          </a:ln>
+        </p:spPr>
+        <p:style>
+          <a:lnRef idx="2">
+            <a:schemeClr val="accent1">
+              <a:shade val="50000"/>
+            </a:schemeClr>
+          </a:lnRef>
+          <a:fillRef idx="1">
+            <a:schemeClr val="accent1"/>
+          </a:fillRef>
+          <a:effectRef idx="0">
+            <a:schemeClr val="accent1"/>
+          </a:effectRef>
+          <a:fontRef idx="minor">
+            <a:schemeClr val="lt1"/>
+          </a:fontRef>
+        </p:style>
+        <p:txBody>
+          <a:bodyPr rtlCol="0" anchor="ctr"/>
+          <a:lstStyle/>
+          <a:p>
+            <a:pPr algn="ctr"/>
+            <a:endParaRPr lang="en-US"/>
+          </a:p>
+        </p:txBody>
+      </p:sp>
+      <p:sp>
+        <p:nvSpPr>
+          <p:cNvPr id="2" name="Title 1">
+            <a:extLst>
+              <a:ext uri="{FF2B5EF4-FFF2-40B4-BE49-F238E27FC236}">
+                <a16:creationId xmlns:a16="http://schemas.microsoft.com/office/drawing/2014/main" id="{36A4FEA2-BEDD-854D-8E65-68335CC2A1CD}"/>
+              </a:ext>
+            </a:extLst>
+          </p:cNvPr>
+          <p:cNvSpPr>
+            <a:spLocks noGrp="1"/>
+          </p:cNvSpPr>
+          <p:nvPr>
+            <p:ph type="title"/>
+          </p:nvPr>
+        </p:nvSpPr>
+        <p:spPr>
+          <a:xfrm>
+            <a:off x="556532" y="643467"/>
+            <a:ext cx="11210925" cy="744836"/>
+          </a:xfrm>
+        </p:spPr>
+        <p:txBody>
+          <a:bodyPr vert="horz" lIns="91440" tIns="45720" rIns="91440" bIns="45720" rtlCol="0" anchor="ctr">
+            <a:normAutofit/>
+          </a:bodyPr>
+          <a:lstStyle/>
+          <a:p>
+            <a:pPr algn="ctr"/>
+            <a:r>
+              <a:rPr lang="en-US" sz="3200" kern="1200" dirty="0">
+                <a:solidFill>
+                  <a:schemeClr val="bg1"/>
+                </a:solidFill>
+                <a:latin typeface="+mj-lt"/>
+                <a:ea typeface="+mj-ea"/>
+                <a:cs typeface="+mj-cs"/>
+              </a:rPr>
+              <a:t>TOM-</a:t>
+            </a:r>
+            <a:r>
+              <a:rPr lang="en-US" sz="3200" kern="1200" dirty="0" err="1">
+                <a:solidFill>
+                  <a:schemeClr val="bg1"/>
+                </a:solidFill>
+                <a:latin typeface="+mj-lt"/>
+                <a:ea typeface="+mj-ea"/>
+                <a:cs typeface="+mj-cs"/>
+              </a:rPr>
+              <a:t>TokenTemplate</a:t>
+            </a:r>
+            <a:endParaRPr lang="en-US" sz="3200" kern="1200" dirty="0">
+              <a:solidFill>
+                <a:schemeClr val="bg1"/>
+              </a:solidFill>
+              <a:latin typeface="+mj-lt"/>
+              <a:ea typeface="+mj-ea"/>
+              <a:cs typeface="+mj-cs"/>
+            </a:endParaRPr>
+          </a:p>
+        </p:txBody>
+      </p:sp>
+      <p:pic>
+        <p:nvPicPr>
+          <p:cNvPr id="6" name="Content Placeholder 5">
+            <a:extLst>
+              <a:ext uri="{FF2B5EF4-FFF2-40B4-BE49-F238E27FC236}">
+                <a16:creationId xmlns:a16="http://schemas.microsoft.com/office/drawing/2014/main" id="{4A79BC7D-26E0-2845-9BAB-4BBCB4FD2142}"/>
+              </a:ext>
+            </a:extLst>
+          </p:cNvPr>
+          <p:cNvPicPr>
+            <a:picLocks noGrp="1" noChangeAspect="1"/>
+          </p:cNvPicPr>
+          <p:nvPr>
+            <p:ph idx="1"/>
+          </p:nvPr>
+        </p:nvPicPr>
+        <p:blipFill>
+          <a:blip r:embed="rId2"/>
+          <a:stretch/>
+        </p:blipFill>
+        <p:spPr>
+          <a:xfrm>
+            <a:off x="1882657" y="1388303"/>
+            <a:ext cx="8558674" cy="5272824"/>
+          </a:xfrm>
+          <a:prstGeom prst="rect">
+            <a:avLst/>
+          </a:prstGeom>
+        </p:spPr>
+      </p:pic>
+      <p:sp>
+        <p:nvSpPr>
+          <p:cNvPr id="4" name="Footer Placeholder 3">
+            <a:extLst>
+              <a:ext uri="{FF2B5EF4-FFF2-40B4-BE49-F238E27FC236}">
+                <a16:creationId xmlns:a16="http://schemas.microsoft.com/office/drawing/2014/main" id="{69E72CBE-78AD-6045-B999-280328BDC4A3}"/>
+              </a:ext>
+            </a:extLst>
+          </p:cNvPr>
+          <p:cNvSpPr>
+            <a:spLocks noGrp="1"/>
+          </p:cNvSpPr>
+          <p:nvPr>
+            <p:ph type="ftr" sz="quarter" idx="11"/>
+          </p:nvPr>
+        </p:nvSpPr>
+        <p:spPr>
+          <a:xfrm>
+            <a:off x="4038600" y="6356350"/>
+            <a:ext cx="4114800" cy="365125"/>
+          </a:xfrm>
+        </p:spPr>
+        <p:txBody>
+          <a:bodyPr vert="horz" lIns="91440" tIns="45720" rIns="91440" bIns="45720" rtlCol="0" anchor="ctr">
+            <a:normAutofit/>
+          </a:bodyPr>
+          <a:lstStyle/>
+          <a:p>
+            <a:pPr marR="0" lvl="0" indent="0" fontAlgn="auto">
+              <a:spcBef>
+                <a:spcPts val="0"/>
+              </a:spcBef>
+              <a:spcAft>
+                <a:spcPts val="600"/>
+              </a:spcAft>
+              <a:buClrTx/>
+              <a:buSzTx/>
+              <a:buFontTx/>
+              <a:buNone/>
+              <a:tabLst/>
+              <a:defRPr/>
+            </a:pPr>
+            <a:r>
+              <a:rPr kumimoji="0" lang="en-US" sz="1100" b="0" i="0" u="none" strike="noStrike" kern="1200" cap="none" spc="0" normalizeH="0" baseline="0" noProof="0">
+                <a:ln>
+                  <a:noFill/>
+                </a:ln>
+                <a:solidFill>
+                  <a:schemeClr val="tx1">
+                    <a:tint val="75000"/>
+                  </a:schemeClr>
+                </a:solidFill>
+                <a:effectLst/>
+                <a:uLnTx/>
+                <a:uFillTx/>
+                <a:latin typeface="+mn-lt"/>
+                <a:ea typeface="+mn-ea"/>
+                <a:cs typeface="+mn-cs"/>
+              </a:rPr>
+              <a:t>©2019 Token Taxonomy Initiative Inc. (“TTI”).  All Rights Reserved. </a:t>
+            </a:r>
+          </a:p>
+        </p:txBody>
+      </p:sp>
+    </p:spTree>
+    <p:extLst>
+      <p:ext uri="{BB962C8B-B14F-4D97-AF65-F5344CB8AC3E}">
+        <p14:creationId xmlns:p14="http://schemas.microsoft.com/office/powerpoint/2010/main" val="1813417114"/>
+      </p:ext>
+    </p:extLst>
+  </p:cSld>
+  <p:clrMapOvr>
+    <a:masterClrMapping/>
+  </p:clrMapOvr>
+</p:sld>
+</file>
+
+<file path=ppt/slides/slide17.xml><?xml version="1.0" encoding="utf-8"?>
 <p:sld xmlns:a="http://schemas.openxmlformats.org/drawingml/2006/main" xmlns:r="http://schemas.openxmlformats.org/officeDocument/2006/relationships" xmlns:p="http://schemas.openxmlformats.org/presentationml/2006/main">
   <p:cSld>
     <p:bg>
@@ -31190,7 +32836,7 @@
 </p:sld>
 </file>
 
-<file path=ppt/slides/slide13.xml><?xml version="1.0" encoding="utf-8"?>
+<file path=ppt/slides/slide18.xml><?xml version="1.0" encoding="utf-8"?>
 <p:sld xmlns:a="http://schemas.openxmlformats.org/drawingml/2006/main" xmlns:r="http://schemas.openxmlformats.org/officeDocument/2006/relationships" xmlns:p="http://schemas.openxmlformats.org/presentationml/2006/main">
   <p:cSld>
     <p:bg>
@@ -31934,7 +33580,7 @@
 </p:sld>
 </file>
 
-<file path=ppt/slides/slide14.xml><?xml version="1.0" encoding="utf-8"?>
+<file path=ppt/slides/slide19.xml><?xml version="1.0" encoding="utf-8"?>
 <p:sld xmlns:a="http://schemas.openxmlformats.org/drawingml/2006/main" xmlns:r="http://schemas.openxmlformats.org/officeDocument/2006/relationships" xmlns:p="http://schemas.openxmlformats.org/presentationml/2006/main">
   <p:cSld>
     <p:spTree>
@@ -32479,7 +34125,214 @@
 </p:sld>
 </file>
 
-<file path=ppt/slides/slide15.xml><?xml version="1.0" encoding="utf-8"?>
+<file path=ppt/slides/slide2.xml><?xml version="1.0" encoding="utf-8"?>
+<p:sld xmlns:a="http://schemas.openxmlformats.org/drawingml/2006/main" xmlns:r="http://schemas.openxmlformats.org/officeDocument/2006/relationships" xmlns:p="http://schemas.openxmlformats.org/presentationml/2006/main">
+  <p:cSld>
+    <p:spTree>
+      <p:nvGrpSpPr>
+        <p:cNvPr id="1" name=""/>
+        <p:cNvGrpSpPr/>
+        <p:nvPr/>
+      </p:nvGrpSpPr>
+      <p:grpSpPr>
+        <a:xfrm>
+          <a:off x="0" y="0"/>
+          <a:ext cx="0" cy="0"/>
+          <a:chOff x="0" y="0"/>
+          <a:chExt cx="0" cy="0"/>
+        </a:xfrm>
+      </p:grpSpPr>
+      <p:sp>
+        <p:nvSpPr>
+          <p:cNvPr id="2" name="Title 1">
+            <a:extLst>
+              <a:ext uri="{FF2B5EF4-FFF2-40B4-BE49-F238E27FC236}">
+                <a16:creationId xmlns:a16="http://schemas.microsoft.com/office/drawing/2014/main" id="{5F82A927-2995-134A-B724-7C136CBCD920}"/>
+              </a:ext>
+            </a:extLst>
+          </p:cNvPr>
+          <p:cNvSpPr>
+            <a:spLocks noGrp="1"/>
+          </p:cNvSpPr>
+          <p:nvPr>
+            <p:ph type="title"/>
+          </p:nvPr>
+        </p:nvSpPr>
+        <p:spPr>
+          <a:xfrm>
+            <a:off x="838200" y="5529884"/>
+            <a:ext cx="8078342" cy="1096331"/>
+          </a:xfrm>
+        </p:spPr>
+        <p:txBody>
+          <a:bodyPr>
+            <a:normAutofit/>
+          </a:bodyPr>
+          <a:lstStyle/>
+          <a:p>
+            <a:r>
+              <a:rPr lang="en-US" dirty="0"/>
+              <a:t>Overview</a:t>
+            </a:r>
+          </a:p>
+        </p:txBody>
+      </p:sp>
+      <p:sp>
+        <p:nvSpPr>
+          <p:cNvPr id="3" name="Footer Placeholder 2">
+            <a:extLst>
+              <a:ext uri="{FF2B5EF4-FFF2-40B4-BE49-F238E27FC236}">
+                <a16:creationId xmlns:a16="http://schemas.microsoft.com/office/drawing/2014/main" id="{FC724E2D-AA0D-CD4A-AA86-7DF7A933E6E6}"/>
+              </a:ext>
+            </a:extLst>
+          </p:cNvPr>
+          <p:cNvSpPr>
+            <a:spLocks noGrp="1"/>
+          </p:cNvSpPr>
+          <p:nvPr>
+            <p:ph type="ftr" sz="quarter" idx="11"/>
+          </p:nvPr>
+        </p:nvSpPr>
+        <p:spPr/>
+        <p:txBody>
+          <a:bodyPr/>
+          <a:lstStyle/>
+          <a:p>
+            <a:r>
+              <a:rPr lang="en-US" dirty="0"/>
+              <a:t>©2019 Token Taxonomy Initiative Inc. (“TTI”).  All Rights Reserved. </a:t>
+            </a:r>
+          </a:p>
+        </p:txBody>
+      </p:sp>
+      <p:sp>
+        <p:nvSpPr>
+          <p:cNvPr id="4" name="Content Placeholder 3">
+            <a:extLst>
+              <a:ext uri="{FF2B5EF4-FFF2-40B4-BE49-F238E27FC236}">
+                <a16:creationId xmlns:a16="http://schemas.microsoft.com/office/drawing/2014/main" id="{24260B13-DC2E-C543-AABC-535B3D80FADA}"/>
+              </a:ext>
+            </a:extLst>
+          </p:cNvPr>
+          <p:cNvSpPr>
+            <a:spLocks noGrp="1"/>
+          </p:cNvSpPr>
+          <p:nvPr>
+            <p:ph idx="1"/>
+          </p:nvPr>
+        </p:nvSpPr>
+        <p:spPr>
+          <a:xfrm>
+            <a:off x="899160" y="888922"/>
+            <a:ext cx="10515600" cy="4351338"/>
+          </a:xfrm>
+        </p:spPr>
+        <p:txBody>
+          <a:bodyPr>
+            <a:normAutofit fontScale="92500" lnSpcReduction="20000"/>
+          </a:bodyPr>
+          <a:lstStyle/>
+          <a:p>
+            <a:r>
+              <a:rPr lang="en-US" dirty="0"/>
+              <a:t>GitHub backend and Artifact structure</a:t>
+            </a:r>
+          </a:p>
+          <a:p>
+            <a:r>
+              <a:rPr lang="en-US" dirty="0"/>
+              <a:t>Taxonomy Object Model (TOM)</a:t>
+            </a:r>
+          </a:p>
+          <a:p>
+            <a:pPr lvl="1"/>
+            <a:r>
+              <a:rPr lang="en-US" dirty="0"/>
+              <a:t>Metadata</a:t>
+            </a:r>
+          </a:p>
+          <a:p>
+            <a:pPr lvl="1"/>
+            <a:r>
+              <a:rPr lang="en-US" dirty="0"/>
+              <a:t>Serialization</a:t>
+            </a:r>
+          </a:p>
+          <a:p>
+            <a:pPr lvl="1"/>
+            <a:r>
+              <a:rPr lang="en-US" dirty="0"/>
+              <a:t>Integration</a:t>
+            </a:r>
+          </a:p>
+          <a:p>
+            <a:r>
+              <a:rPr lang="en-US" dirty="0"/>
+              <a:t>Taxonomy Service</a:t>
+            </a:r>
+          </a:p>
+          <a:p>
+            <a:pPr lvl="1"/>
+            <a:r>
+              <a:rPr lang="en-US" dirty="0"/>
+              <a:t>Simple CRUD for TOM</a:t>
+            </a:r>
+          </a:p>
+          <a:p>
+            <a:pPr lvl="1"/>
+            <a:r>
+              <a:rPr lang="en-US" dirty="0"/>
+              <a:t>Read Only publishing at </a:t>
+            </a:r>
+            <a:r>
+              <a:rPr lang="en-US" dirty="0" err="1"/>
+              <a:t>tokentaxonomy.org</a:t>
+            </a:r>
+            <a:endParaRPr lang="en-US" dirty="0"/>
+          </a:p>
+          <a:p>
+            <a:pPr lvl="1"/>
+            <a:r>
+              <a:rPr lang="en-US" dirty="0"/>
+              <a:t>Workshops use clone and run the service locally</a:t>
+            </a:r>
+          </a:p>
+          <a:p>
+            <a:r>
+              <a:rPr lang="en-US" dirty="0"/>
+              <a:t>Extensions</a:t>
+            </a:r>
+          </a:p>
+          <a:p>
+            <a:pPr lvl="1"/>
+            <a:r>
+              <a:rPr lang="en-US" dirty="0"/>
+              <a:t>Tools</a:t>
+            </a:r>
+          </a:p>
+          <a:p>
+            <a:pPr lvl="1"/>
+            <a:r>
+              <a:rPr lang="en-US" dirty="0"/>
+              <a:t>Maps</a:t>
+            </a:r>
+          </a:p>
+        </p:txBody>
+      </p:sp>
+    </p:spTree>
+    <p:extLst>
+      <p:ext uri="{BB962C8B-B14F-4D97-AF65-F5344CB8AC3E}">
+        <p14:creationId xmlns:p14="http://schemas.microsoft.com/office/powerpoint/2010/main" val="116978453"/>
+      </p:ext>
+    </p:extLst>
+  </p:cSld>
+  <p:clrMapOvr>
+    <a:masterClrMapping/>
+  </p:clrMapOvr>
+</p:sld>
+</file>
+
+<file path=ppt/slides/slide20.xml><?xml version="1.0" encoding="utf-8"?>
 <p:sld xmlns:a="http://schemas.openxmlformats.org/drawingml/2006/main" xmlns:r="http://schemas.openxmlformats.org/officeDocument/2006/relationships" xmlns:p="http://schemas.openxmlformats.org/presentationml/2006/main">
   <p:cSld>
     <p:bg>
@@ -32840,7 +34693,7 @@
 </p:sld>
 </file>
 
-<file path=ppt/slides/slide16.xml><?xml version="1.0" encoding="utf-8"?>
+<file path=ppt/slides/slide21.xml><?xml version="1.0" encoding="utf-8"?>
 <p:sld xmlns:a="http://schemas.openxmlformats.org/drawingml/2006/main" xmlns:r="http://schemas.openxmlformats.org/officeDocument/2006/relationships" xmlns:p="http://schemas.openxmlformats.org/presentationml/2006/main">
   <p:cSld>
     <p:bg>
@@ -33314,7 +35167,7 @@
 </p:sld>
 </file>
 
-<file path=ppt/slides/slide17.xml><?xml version="1.0" encoding="utf-8"?>
+<file path=ppt/slides/slide22.xml><?xml version="1.0" encoding="utf-8"?>
 <p:sld xmlns:a="http://schemas.openxmlformats.org/drawingml/2006/main" xmlns:r="http://schemas.openxmlformats.org/officeDocument/2006/relationships" xmlns:p="http://schemas.openxmlformats.org/presentationml/2006/main">
   <p:cSld>
     <p:bg>
@@ -33713,7 +35566,7 @@
 </p:sld>
 </file>
 
-<file path=ppt/slides/slide18.xml><?xml version="1.0" encoding="utf-8"?>
+<file path=ppt/slides/slide23.xml><?xml version="1.0" encoding="utf-8"?>
 <p:sld xmlns:a="http://schemas.openxmlformats.org/drawingml/2006/main" xmlns:r="http://schemas.openxmlformats.org/officeDocument/2006/relationships" xmlns:p="http://schemas.openxmlformats.org/presentationml/2006/main">
   <p:cSld>
     <p:bg>
@@ -34220,7 +36073,7 @@
 </p:sld>
 </file>
 
-<file path=ppt/slides/slide19.xml><?xml version="1.0" encoding="utf-8"?>
+<file path=ppt/slides/slide24.xml><?xml version="1.0" encoding="utf-8"?>
 <p:sld xmlns:a="http://schemas.openxmlformats.org/drawingml/2006/main" xmlns:r="http://schemas.openxmlformats.org/officeDocument/2006/relationships" xmlns:p="http://schemas.openxmlformats.org/presentationml/2006/main">
   <p:cSld>
     <p:bg>
@@ -34467,214 +36320,7 @@
 </p:sld>
 </file>
 
-<file path=ppt/slides/slide2.xml><?xml version="1.0" encoding="utf-8"?>
-<p:sld xmlns:a="http://schemas.openxmlformats.org/drawingml/2006/main" xmlns:r="http://schemas.openxmlformats.org/officeDocument/2006/relationships" xmlns:p="http://schemas.openxmlformats.org/presentationml/2006/main">
-  <p:cSld>
-    <p:spTree>
-      <p:nvGrpSpPr>
-        <p:cNvPr id="1" name=""/>
-        <p:cNvGrpSpPr/>
-        <p:nvPr/>
-      </p:nvGrpSpPr>
-      <p:grpSpPr>
-        <a:xfrm>
-          <a:off x="0" y="0"/>
-          <a:ext cx="0" cy="0"/>
-          <a:chOff x="0" y="0"/>
-          <a:chExt cx="0" cy="0"/>
-        </a:xfrm>
-      </p:grpSpPr>
-      <p:sp>
-        <p:nvSpPr>
-          <p:cNvPr id="2" name="Title 1">
-            <a:extLst>
-              <a:ext uri="{FF2B5EF4-FFF2-40B4-BE49-F238E27FC236}">
-                <a16:creationId xmlns:a16="http://schemas.microsoft.com/office/drawing/2014/main" id="{5F82A927-2995-134A-B724-7C136CBCD920}"/>
-              </a:ext>
-            </a:extLst>
-          </p:cNvPr>
-          <p:cNvSpPr>
-            <a:spLocks noGrp="1"/>
-          </p:cNvSpPr>
-          <p:nvPr>
-            <p:ph type="title"/>
-          </p:nvPr>
-        </p:nvSpPr>
-        <p:spPr>
-          <a:xfrm>
-            <a:off x="838200" y="5529884"/>
-            <a:ext cx="8078342" cy="1096331"/>
-          </a:xfrm>
-        </p:spPr>
-        <p:txBody>
-          <a:bodyPr>
-            <a:normAutofit/>
-          </a:bodyPr>
-          <a:lstStyle/>
-          <a:p>
-            <a:r>
-              <a:rPr lang="en-US" dirty="0"/>
-              <a:t>Overview</a:t>
-            </a:r>
-          </a:p>
-        </p:txBody>
-      </p:sp>
-      <p:sp>
-        <p:nvSpPr>
-          <p:cNvPr id="3" name="Footer Placeholder 2">
-            <a:extLst>
-              <a:ext uri="{FF2B5EF4-FFF2-40B4-BE49-F238E27FC236}">
-                <a16:creationId xmlns:a16="http://schemas.microsoft.com/office/drawing/2014/main" id="{FC724E2D-AA0D-CD4A-AA86-7DF7A933E6E6}"/>
-              </a:ext>
-            </a:extLst>
-          </p:cNvPr>
-          <p:cNvSpPr>
-            <a:spLocks noGrp="1"/>
-          </p:cNvSpPr>
-          <p:nvPr>
-            <p:ph type="ftr" sz="quarter" idx="11"/>
-          </p:nvPr>
-        </p:nvSpPr>
-        <p:spPr/>
-        <p:txBody>
-          <a:bodyPr/>
-          <a:lstStyle/>
-          <a:p>
-            <a:r>
-              <a:rPr lang="en-US" dirty="0"/>
-              <a:t>©2019 Token Taxonomy Initiative Inc. (“TTI”).  All Rights Reserved. </a:t>
-            </a:r>
-          </a:p>
-        </p:txBody>
-      </p:sp>
-      <p:sp>
-        <p:nvSpPr>
-          <p:cNvPr id="4" name="Content Placeholder 3">
-            <a:extLst>
-              <a:ext uri="{FF2B5EF4-FFF2-40B4-BE49-F238E27FC236}">
-                <a16:creationId xmlns:a16="http://schemas.microsoft.com/office/drawing/2014/main" id="{24260B13-DC2E-C543-AABC-535B3D80FADA}"/>
-              </a:ext>
-            </a:extLst>
-          </p:cNvPr>
-          <p:cNvSpPr>
-            <a:spLocks noGrp="1"/>
-          </p:cNvSpPr>
-          <p:nvPr>
-            <p:ph idx="1"/>
-          </p:nvPr>
-        </p:nvSpPr>
-        <p:spPr>
-          <a:xfrm>
-            <a:off x="899160" y="888922"/>
-            <a:ext cx="10515600" cy="4351338"/>
-          </a:xfrm>
-        </p:spPr>
-        <p:txBody>
-          <a:bodyPr>
-            <a:normAutofit fontScale="92500" lnSpcReduction="20000"/>
-          </a:bodyPr>
-          <a:lstStyle/>
-          <a:p>
-            <a:r>
-              <a:rPr lang="en-US" dirty="0"/>
-              <a:t>GitHub backend and Artifact structure</a:t>
-            </a:r>
-          </a:p>
-          <a:p>
-            <a:r>
-              <a:rPr lang="en-US" dirty="0"/>
-              <a:t>Taxonomy Object Model (TOM)</a:t>
-            </a:r>
-          </a:p>
-          <a:p>
-            <a:pPr lvl="1"/>
-            <a:r>
-              <a:rPr lang="en-US" dirty="0"/>
-              <a:t>Metadata</a:t>
-            </a:r>
-          </a:p>
-          <a:p>
-            <a:pPr lvl="1"/>
-            <a:r>
-              <a:rPr lang="en-US" dirty="0"/>
-              <a:t>Serialization</a:t>
-            </a:r>
-          </a:p>
-          <a:p>
-            <a:pPr lvl="1"/>
-            <a:r>
-              <a:rPr lang="en-US" dirty="0"/>
-              <a:t>Integration</a:t>
-            </a:r>
-          </a:p>
-          <a:p>
-            <a:r>
-              <a:rPr lang="en-US" dirty="0"/>
-              <a:t>Taxonomy Service</a:t>
-            </a:r>
-          </a:p>
-          <a:p>
-            <a:pPr lvl="1"/>
-            <a:r>
-              <a:rPr lang="en-US" dirty="0"/>
-              <a:t>Simple CRUD for TOM</a:t>
-            </a:r>
-          </a:p>
-          <a:p>
-            <a:pPr lvl="1"/>
-            <a:r>
-              <a:rPr lang="en-US" dirty="0"/>
-              <a:t>Read Only publishing at </a:t>
-            </a:r>
-            <a:r>
-              <a:rPr lang="en-US" dirty="0" err="1"/>
-              <a:t>tokentaxonomy.org</a:t>
-            </a:r>
-            <a:endParaRPr lang="en-US" dirty="0"/>
-          </a:p>
-          <a:p>
-            <a:pPr lvl="1"/>
-            <a:r>
-              <a:rPr lang="en-US" dirty="0"/>
-              <a:t>Workshops use clone and run the service locally</a:t>
-            </a:r>
-          </a:p>
-          <a:p>
-            <a:r>
-              <a:rPr lang="en-US" dirty="0"/>
-              <a:t>Extensions</a:t>
-            </a:r>
-          </a:p>
-          <a:p>
-            <a:pPr lvl="1"/>
-            <a:r>
-              <a:rPr lang="en-US" dirty="0"/>
-              <a:t>Tools</a:t>
-            </a:r>
-          </a:p>
-          <a:p>
-            <a:pPr lvl="1"/>
-            <a:r>
-              <a:rPr lang="en-US" dirty="0"/>
-              <a:t>Maps</a:t>
-            </a:r>
-          </a:p>
-        </p:txBody>
-      </p:sp>
-    </p:spTree>
-    <p:extLst>
-      <p:ext uri="{BB962C8B-B14F-4D97-AF65-F5344CB8AC3E}">
-        <p14:creationId xmlns:p14="http://schemas.microsoft.com/office/powerpoint/2010/main" val="116978453"/>
-      </p:ext>
-    </p:extLst>
-  </p:cSld>
-  <p:clrMapOvr>
-    <a:masterClrMapping/>
-  </p:clrMapOvr>
-</p:sld>
-</file>
-
-<file path=ppt/slides/slide20.xml><?xml version="1.0" encoding="utf-8"?>
+<file path=ppt/slides/slide25.xml><?xml version="1.0" encoding="utf-8"?>
 <p:sld xmlns:a="http://schemas.openxmlformats.org/drawingml/2006/main" xmlns:r="http://schemas.openxmlformats.org/officeDocument/2006/relationships" xmlns:p="http://schemas.openxmlformats.org/presentationml/2006/main">
   <p:cSld>
     <p:bg>
@@ -35065,7 +36711,7 @@
 </p:sld>
 </file>
 
-<file path=ppt/slides/slide21.xml><?xml version="1.0" encoding="utf-8"?>
+<file path=ppt/slides/slide26.xml><?xml version="1.0" encoding="utf-8"?>
 <p:sld xmlns:a="http://schemas.openxmlformats.org/drawingml/2006/main" xmlns:r="http://schemas.openxmlformats.org/officeDocument/2006/relationships" xmlns:p="http://schemas.openxmlformats.org/presentationml/2006/main">
   <p:cSld>
     <p:spTree>
@@ -37164,36 +38810,6 @@
           </a:p>
         </p:txBody>
       </p:sp>
-      <p:pic>
-        <p:nvPicPr>
-          <p:cNvPr id="25" name="Content Placeholder 11">
-            <a:extLst>
-              <a:ext uri="{FF2B5EF4-FFF2-40B4-BE49-F238E27FC236}">
-                <a16:creationId xmlns:a16="http://schemas.microsoft.com/office/drawing/2014/main" id="{B050AB2A-546E-4E41-90B0-E519372EC98B}"/>
-              </a:ext>
-            </a:extLst>
-          </p:cNvPr>
-          <p:cNvPicPr>
-            <a:picLocks noChangeAspect="1"/>
-          </p:cNvPicPr>
-          <p:nvPr/>
-        </p:nvPicPr>
-        <p:blipFill>
-          <a:blip r:embed="rId2"/>
-          <a:stretch>
-            <a:fillRect/>
-          </a:stretch>
-        </p:blipFill>
-        <p:spPr>
-          <a:xfrm>
-            <a:off x="795142" y="1261515"/>
-            <a:ext cx="10595911" cy="2066202"/>
-          </a:xfrm>
-          <a:prstGeom prst="rect">
-            <a:avLst/>
-          </a:prstGeom>
-        </p:spPr>
-      </p:pic>
       <p:cxnSp>
         <p:nvCxnSpPr>
           <p:cNvPr id="32" name="Straight Connector 31">
@@ -37346,6 +38962,36 @@
           </a:p>
         </p:txBody>
       </p:sp>
+      <p:pic>
+        <p:nvPicPr>
+          <p:cNvPr id="5" name="Picture 4" descr="A circuit board&#10;&#10;Description automatically generated">
+            <a:extLst>
+              <a:ext uri="{FF2B5EF4-FFF2-40B4-BE49-F238E27FC236}">
+                <a16:creationId xmlns:a16="http://schemas.microsoft.com/office/drawing/2014/main" id="{C1694B67-4DF3-A840-A34D-8865BD56F46D}"/>
+              </a:ext>
+            </a:extLst>
+          </p:cNvPr>
+          <p:cNvPicPr>
+            <a:picLocks noChangeAspect="1"/>
+          </p:cNvPicPr>
+          <p:nvPr/>
+        </p:nvPicPr>
+        <p:blipFill>
+          <a:blip r:embed="rId2"/>
+          <a:stretch>
+            <a:fillRect/>
+          </a:stretch>
+        </p:blipFill>
+        <p:spPr>
+          <a:xfrm>
+            <a:off x="1060020" y="66708"/>
+            <a:ext cx="10068911" cy="4482020"/>
+          </a:xfrm>
+          <a:prstGeom prst="rect">
+            <a:avLst/>
+          </a:prstGeom>
+        </p:spPr>
+      </p:pic>
     </p:spTree>
     <p:extLst>
       <p:ext uri="{BB962C8B-B14F-4D97-AF65-F5344CB8AC3E}">
@@ -37791,6 +39437,356 @@
           <a:bodyPr rtlCol="0" anchor="ctr"/>
           <a:lstStyle/>
           <a:p>
+            <a:pPr marL="0" marR="0" lvl="0" indent="0" algn="ctr" defTabSz="914400" rtl="0" eaLnBrk="1" fontAlgn="auto" latinLnBrk="0" hangingPunct="1">
+              <a:lnSpc>
+                <a:spcPct val="100000"/>
+              </a:lnSpc>
+              <a:spcBef>
+                <a:spcPts val="0"/>
+              </a:spcBef>
+              <a:spcAft>
+                <a:spcPts val="0"/>
+              </a:spcAft>
+              <a:buClrTx/>
+              <a:buSzTx/>
+              <a:buFontTx/>
+              <a:buNone/>
+              <a:tabLst/>
+              <a:defRPr/>
+            </a:pPr>
+            <a:endParaRPr kumimoji="0" lang="en-US" sz="1800" b="0" i="0" u="none" strike="noStrike" kern="1200" cap="none" spc="0" normalizeH="0" baseline="0" noProof="0">
+              <a:ln>
+                <a:noFill/>
+              </a:ln>
+              <a:solidFill>
+                <a:prstClr val="white"/>
+              </a:solidFill>
+              <a:effectLst/>
+              <a:uLnTx/>
+              <a:uFillTx/>
+              <a:latin typeface="Calibri" panose="020F0502020204030204"/>
+              <a:ea typeface="+mn-ea"/>
+              <a:cs typeface="+mn-cs"/>
+            </a:endParaRPr>
+          </a:p>
+        </p:txBody>
+      </p:sp>
+      <p:sp>
+        <p:nvSpPr>
+          <p:cNvPr id="2" name="Title 1">
+            <a:extLst>
+              <a:ext uri="{FF2B5EF4-FFF2-40B4-BE49-F238E27FC236}">
+                <a16:creationId xmlns:a16="http://schemas.microsoft.com/office/drawing/2014/main" id="{3F224966-2B81-4848-9E34-DFC1CCF7DC0A}"/>
+              </a:ext>
+            </a:extLst>
+          </p:cNvPr>
+          <p:cNvSpPr>
+            <a:spLocks noGrp="1"/>
+          </p:cNvSpPr>
+          <p:nvPr>
+            <p:ph type="title"/>
+          </p:nvPr>
+        </p:nvSpPr>
+        <p:spPr>
+          <a:xfrm>
+            <a:off x="643467" y="643467"/>
+            <a:ext cx="3363974" cy="1597315"/>
+          </a:xfrm>
+          <a:noFill/>
+          <a:ln w="19050">
+            <a:solidFill>
+              <a:schemeClr val="bg1"/>
+            </a:solidFill>
+          </a:ln>
+        </p:spPr>
+        <p:txBody>
+          <a:bodyPr wrap="square">
+            <a:normAutofit/>
+          </a:bodyPr>
+          <a:lstStyle/>
+          <a:p>
+            <a:pPr algn="ctr"/>
+            <a:r>
+              <a:rPr lang="en-US" sz="2800" dirty="0">
+                <a:solidFill>
+                  <a:schemeClr val="bg1"/>
+                </a:solidFill>
+              </a:rPr>
+              <a:t>TOM – Base Type</a:t>
+            </a:r>
+          </a:p>
+        </p:txBody>
+      </p:sp>
+      <p:sp>
+        <p:nvSpPr>
+          <p:cNvPr id="11" name="Content Placeholder 10">
+            <a:extLst>
+              <a:ext uri="{FF2B5EF4-FFF2-40B4-BE49-F238E27FC236}">
+                <a16:creationId xmlns:a16="http://schemas.microsoft.com/office/drawing/2014/main" id="{D4E6398D-764D-4D77-ABED-D9D098500FD3}"/>
+              </a:ext>
+            </a:extLst>
+          </p:cNvPr>
+          <p:cNvSpPr>
+            <a:spLocks noGrp="1"/>
+          </p:cNvSpPr>
+          <p:nvPr>
+            <p:ph idx="1"/>
+          </p:nvPr>
+        </p:nvSpPr>
+        <p:spPr>
+          <a:xfrm>
+            <a:off x="643468" y="2638044"/>
+            <a:ext cx="3363974" cy="3415622"/>
+          </a:xfrm>
+        </p:spPr>
+        <p:txBody>
+          <a:bodyPr>
+            <a:normAutofit/>
+          </a:bodyPr>
+          <a:lstStyle/>
+          <a:p>
+            <a:r>
+              <a:rPr lang="en-US" sz="2000" dirty="0" err="1">
+                <a:solidFill>
+                  <a:schemeClr val="bg1"/>
+                </a:solidFill>
+              </a:rPr>
+              <a:t>FormulaGrammar</a:t>
+            </a:r>
+            <a:r>
+              <a:rPr lang="en-US" sz="2000" dirty="0">
+                <a:solidFill>
+                  <a:schemeClr val="bg1"/>
+                </a:solidFill>
+              </a:rPr>
+              <a:t> is NOT a part of the definition but used for formula validation using grammar and rules.</a:t>
+            </a:r>
+          </a:p>
+        </p:txBody>
+      </p:sp>
+      <p:pic>
+        <p:nvPicPr>
+          <p:cNvPr id="9" name="Content Placeholder 5">
+            <a:extLst>
+              <a:ext uri="{FF2B5EF4-FFF2-40B4-BE49-F238E27FC236}">
+                <a16:creationId xmlns:a16="http://schemas.microsoft.com/office/drawing/2014/main" id="{9BA04BB9-EC9B-3348-9D7A-7739286BB7FF}"/>
+              </a:ext>
+            </a:extLst>
+          </p:cNvPr>
+          <p:cNvPicPr>
+            <a:picLocks noChangeAspect="1"/>
+          </p:cNvPicPr>
+          <p:nvPr/>
+        </p:nvPicPr>
+        <p:blipFill>
+          <a:blip r:embed="rId2"/>
+          <a:srcRect/>
+          <a:stretch/>
+        </p:blipFill>
+        <p:spPr>
+          <a:xfrm>
+            <a:off x="4872254" y="1952922"/>
+            <a:ext cx="7056988" cy="4403428"/>
+          </a:xfrm>
+          <a:prstGeom prst="rect">
+            <a:avLst/>
+          </a:prstGeom>
+        </p:spPr>
+      </p:pic>
+      <p:sp>
+        <p:nvSpPr>
+          <p:cNvPr id="4" name="Footer Placeholder 3">
+            <a:extLst>
+              <a:ext uri="{FF2B5EF4-FFF2-40B4-BE49-F238E27FC236}">
+                <a16:creationId xmlns:a16="http://schemas.microsoft.com/office/drawing/2014/main" id="{5EF1869E-330C-3146-B39F-B21D855FF39A}"/>
+              </a:ext>
+            </a:extLst>
+          </p:cNvPr>
+          <p:cNvSpPr>
+            <a:spLocks noGrp="1"/>
+          </p:cNvSpPr>
+          <p:nvPr>
+            <p:ph type="ftr" sz="quarter" idx="11"/>
+          </p:nvPr>
+        </p:nvSpPr>
+        <p:spPr>
+          <a:xfrm>
+            <a:off x="5297762" y="6356350"/>
+            <a:ext cx="4579768" cy="365125"/>
+          </a:xfrm>
+        </p:spPr>
+        <p:txBody>
+          <a:bodyPr>
+            <a:normAutofit/>
+          </a:bodyPr>
+          <a:lstStyle/>
+          <a:p>
+            <a:pPr marL="0" marR="0" lvl="0" indent="0" algn="l" defTabSz="914400" rtl="0" eaLnBrk="1" fontAlgn="auto" latinLnBrk="0" hangingPunct="1">
+              <a:lnSpc>
+                <a:spcPct val="100000"/>
+              </a:lnSpc>
+              <a:spcBef>
+                <a:spcPts val="0"/>
+              </a:spcBef>
+              <a:spcAft>
+                <a:spcPts val="600"/>
+              </a:spcAft>
+              <a:buClrTx/>
+              <a:buSzTx/>
+              <a:buFontTx/>
+              <a:buNone/>
+              <a:tabLst/>
+              <a:defRPr/>
+            </a:pPr>
+            <a:r>
+              <a:rPr kumimoji="0" lang="en-US" sz="1200" b="0" i="0" u="none" strike="noStrike" kern="1200" cap="none" spc="0" normalizeH="0" baseline="0" noProof="0">
+                <a:ln>
+                  <a:noFill/>
+                </a:ln>
+                <a:solidFill>
+                  <a:prstClr val="black">
+                    <a:alpha val="80000"/>
+                  </a:prstClr>
+                </a:solidFill>
+                <a:effectLst/>
+                <a:uLnTx/>
+                <a:uFillTx/>
+                <a:latin typeface="Calibri" panose="020F0502020204030204"/>
+                <a:ea typeface="+mn-ea"/>
+                <a:cs typeface="+mn-cs"/>
+              </a:rPr>
+              <a:t>©2019 Token Taxonomy Initiative Inc. (“TTI”).  All Rights Reserved. </a:t>
+            </a:r>
+          </a:p>
+        </p:txBody>
+      </p:sp>
+      <p:pic>
+        <p:nvPicPr>
+          <p:cNvPr id="5" name="Picture 4" descr="A screenshot of a computer&#10;&#10;Description automatically generated">
+            <a:extLst>
+              <a:ext uri="{FF2B5EF4-FFF2-40B4-BE49-F238E27FC236}">
+                <a16:creationId xmlns:a16="http://schemas.microsoft.com/office/drawing/2014/main" id="{3C72B46D-D98A-984C-95F3-3E3C2CA49709}"/>
+              </a:ext>
+            </a:extLst>
+          </p:cNvPr>
+          <p:cNvPicPr>
+            <a:picLocks noChangeAspect="1"/>
+          </p:cNvPicPr>
+          <p:nvPr/>
+        </p:nvPicPr>
+        <p:blipFill>
+          <a:blip r:embed="rId3"/>
+          <a:stretch>
+            <a:fillRect/>
+          </a:stretch>
+        </p:blipFill>
+        <p:spPr>
+          <a:xfrm>
+            <a:off x="7164797" y="20828"/>
+            <a:ext cx="2471902" cy="1890788"/>
+          </a:xfrm>
+          <a:prstGeom prst="rect">
+            <a:avLst/>
+          </a:prstGeom>
+        </p:spPr>
+      </p:pic>
+    </p:spTree>
+    <p:extLst>
+      <p:ext uri="{BB962C8B-B14F-4D97-AF65-F5344CB8AC3E}">
+        <p14:creationId xmlns:p14="http://schemas.microsoft.com/office/powerpoint/2010/main" val="1018131633"/>
+      </p:ext>
+    </p:extLst>
+  </p:cSld>
+  <p:clrMapOvr>
+    <a:masterClrMapping/>
+  </p:clrMapOvr>
+</p:sld>
+</file>
+
+<file path=ppt/slides/slide9.xml><?xml version="1.0" encoding="utf-8"?>
+<p:sld xmlns:a="http://schemas.openxmlformats.org/drawingml/2006/main" xmlns:r="http://schemas.openxmlformats.org/officeDocument/2006/relationships" xmlns:p="http://schemas.openxmlformats.org/presentationml/2006/main">
+  <p:cSld>
+    <p:bg>
+      <p:bgPr>
+        <a:solidFill>
+          <a:schemeClr val="bg1"/>
+        </a:solidFill>
+        <a:effectLst/>
+      </p:bgPr>
+    </p:bg>
+    <p:spTree>
+      <p:nvGrpSpPr>
+        <p:cNvPr id="1" name=""/>
+        <p:cNvGrpSpPr/>
+        <p:nvPr/>
+      </p:nvGrpSpPr>
+      <p:grpSpPr>
+        <a:xfrm>
+          <a:off x="0" y="0"/>
+          <a:ext cx="0" cy="0"/>
+          <a:chOff x="0" y="0"/>
+          <a:chExt cx="0" cy="0"/>
+        </a:xfrm>
+      </p:grpSpPr>
+      <p:sp>
+        <p:nvSpPr>
+          <p:cNvPr id="14" name="Rectangle 13">
+            <a:extLst>
+              <a:ext uri="{FF2B5EF4-FFF2-40B4-BE49-F238E27FC236}">
+                <a16:creationId xmlns:a16="http://schemas.microsoft.com/office/drawing/2014/main" id="{867D4867-5BA7-4462-B2F6-A23F4A622AA7}"/>
+              </a:ext>
+              <a:ext uri="{C183D7F6-B498-43B3-948B-1728B52AA6E4}">
+                <adec:decorative xmlns:adec="http://schemas.microsoft.com/office/drawing/2017/decorative" val="1"/>
+              </a:ext>
+            </a:extLst>
+          </p:cNvPr>
+          <p:cNvSpPr>
+            <a:spLocks noGrp="1" noRot="1" noChangeAspect="1" noMove="1" noResize="1" noEditPoints="1" noAdjustHandles="1" noChangeArrowheads="1" noChangeShapeType="1" noTextEdit="1"/>
+          </p:cNvSpPr>
+          <p:nvPr>
+            <p:extLst>
+              <p:ext uri="{386F3935-93C4-4BCD-93E2-E3B085C9AB24}">
+                <p16:designElem xmlns:p16="http://schemas.microsoft.com/office/powerpoint/2015/main" val="1"/>
+              </p:ext>
+            </p:extLst>
+          </p:nvPr>
+        </p:nvSpPr>
+        <p:spPr>
+          <a:xfrm>
+            <a:off x="0" y="0"/>
+            <a:ext cx="4654296" cy="6858000"/>
+          </a:xfrm>
+          <a:prstGeom prst="rect">
+            <a:avLst/>
+          </a:prstGeom>
+          <a:solidFill>
+            <a:schemeClr val="tx1">
+              <a:lumMod val="75000"/>
+              <a:lumOff val="25000"/>
+            </a:schemeClr>
+          </a:solidFill>
+          <a:ln>
+            <a:noFill/>
+          </a:ln>
+        </p:spPr>
+        <p:style>
+          <a:lnRef idx="0">
+            <a:scrgbClr r="0" g="0" b="0"/>
+          </a:lnRef>
+          <a:fillRef idx="0">
+            <a:scrgbClr r="0" g="0" b="0"/>
+          </a:fillRef>
+          <a:effectRef idx="0">
+            <a:scrgbClr r="0" g="0" b="0"/>
+          </a:effectRef>
+          <a:fontRef idx="minor">
+            <a:schemeClr val="lt1"/>
+          </a:fontRef>
+        </p:style>
+        <p:txBody>
+          <a:bodyPr rtlCol="0" anchor="ctr"/>
+          <a:lstStyle/>
+          <a:p>
             <a:pPr algn="ctr"/>
             <a:endParaRPr lang="en-US"/>
           </a:p>
@@ -37989,326 +39985,6 @@
     <p:extLst>
       <p:ext uri="{BB962C8B-B14F-4D97-AF65-F5344CB8AC3E}">
         <p14:creationId xmlns:p14="http://schemas.microsoft.com/office/powerpoint/2010/main" val="3346688736"/>
-      </p:ext>
-    </p:extLst>
-  </p:cSld>
-  <p:clrMapOvr>
-    <a:masterClrMapping/>
-  </p:clrMapOvr>
-</p:sld>
-</file>
-
-<file path=ppt/slides/slide9.xml><?xml version="1.0" encoding="utf-8"?>
-<p:sld xmlns:a="http://schemas.openxmlformats.org/drawingml/2006/main" xmlns:r="http://schemas.openxmlformats.org/officeDocument/2006/relationships" xmlns:p="http://schemas.openxmlformats.org/presentationml/2006/main">
-  <p:cSld>
-    <p:bg>
-      <p:bgPr>
-        <a:solidFill>
-          <a:schemeClr val="bg1"/>
-        </a:solidFill>
-        <a:effectLst/>
-      </p:bgPr>
-    </p:bg>
-    <p:spTree>
-      <p:nvGrpSpPr>
-        <p:cNvPr id="1" name=""/>
-        <p:cNvGrpSpPr/>
-        <p:nvPr/>
-      </p:nvGrpSpPr>
-      <p:grpSpPr>
-        <a:xfrm>
-          <a:off x="0" y="0"/>
-          <a:ext cx="0" cy="0"/>
-          <a:chOff x="0" y="0"/>
-          <a:chExt cx="0" cy="0"/>
-        </a:xfrm>
-      </p:grpSpPr>
-      <p:sp>
-        <p:nvSpPr>
-          <p:cNvPr id="11" name="Rectangle 10">
-            <a:extLst>
-              <a:ext uri="{FF2B5EF4-FFF2-40B4-BE49-F238E27FC236}">
-                <a16:creationId xmlns:a16="http://schemas.microsoft.com/office/drawing/2014/main" id="{AB45A142-4255-493C-8284-5D566C121B10}"/>
-              </a:ext>
-              <a:ext uri="{C183D7F6-B498-43B3-948B-1728B52AA6E4}">
-                <adec:decorative xmlns:adec="http://schemas.microsoft.com/office/drawing/2017/decorative" val="1"/>
-              </a:ext>
-            </a:extLst>
-          </p:cNvPr>
-          <p:cNvSpPr>
-            <a:spLocks noGrp="1" noRot="1" noChangeAspect="1" noMove="1" noResize="1" noEditPoints="1" noAdjustHandles="1" noChangeArrowheads="1" noChangeShapeType="1" noTextEdit="1"/>
-          </p:cNvSpPr>
-          <p:nvPr>
-            <p:extLst>
-              <p:ext uri="{386F3935-93C4-4BCD-93E2-E3B085C9AB24}">
-                <p16:designElem xmlns:p16="http://schemas.microsoft.com/office/powerpoint/2015/main" val="1"/>
-              </p:ext>
-            </p:extLst>
-          </p:nvPr>
-        </p:nvSpPr>
-        <p:spPr bwMode="ltGray">
-          <a:xfrm>
-            <a:off x="336884" y="321177"/>
-            <a:ext cx="4332307" cy="6179552"/>
-          </a:xfrm>
-          <a:prstGeom prst="rect">
-            <a:avLst/>
-          </a:prstGeom>
-          <a:solidFill>
-            <a:srgbClr val="404040">
-              <a:alpha val="89804"/>
-            </a:srgbClr>
-          </a:solidFill>
-          <a:ln w="127000" cap="sq" cmpd="thinThick">
-            <a:solidFill>
-              <a:srgbClr val="595959">
-                <a:alpha val="80000"/>
-              </a:srgbClr>
-            </a:solidFill>
-          </a:ln>
-        </p:spPr>
-        <p:style>
-          <a:lnRef idx="2">
-            <a:schemeClr val="accent1">
-              <a:shade val="50000"/>
-            </a:schemeClr>
-          </a:lnRef>
-          <a:fillRef idx="1">
-            <a:schemeClr val="accent1"/>
-          </a:fillRef>
-          <a:effectRef idx="0">
-            <a:schemeClr val="accent1"/>
-          </a:effectRef>
-          <a:fontRef idx="minor">
-            <a:schemeClr val="lt1"/>
-          </a:fontRef>
-        </p:style>
-        <p:txBody>
-          <a:bodyPr rtlCol="0" anchor="ctr"/>
-          <a:lstStyle/>
-          <a:p>
-            <a:pPr algn="ctr"/>
-            <a:endParaRPr lang="en-US"/>
-          </a:p>
-        </p:txBody>
-      </p:sp>
-      <p:sp>
-        <p:nvSpPr>
-          <p:cNvPr id="2" name="Title 1">
-            <a:extLst>
-              <a:ext uri="{FF2B5EF4-FFF2-40B4-BE49-F238E27FC236}">
-                <a16:creationId xmlns:a16="http://schemas.microsoft.com/office/drawing/2014/main" id="{FA156E4A-790D-AC46-9EAF-BC37346B4252}"/>
-              </a:ext>
-            </a:extLst>
-          </p:cNvPr>
-          <p:cNvSpPr>
-            <a:spLocks noGrp="1"/>
-          </p:cNvSpPr>
-          <p:nvPr>
-            <p:ph type="title"/>
-          </p:nvPr>
-        </p:nvSpPr>
-        <p:spPr>
-          <a:xfrm>
-            <a:off x="674236" y="914400"/>
-            <a:ext cx="3850629" cy="2887579"/>
-          </a:xfrm>
-        </p:spPr>
-        <p:txBody>
-          <a:bodyPr vert="horz" lIns="91440" tIns="45720" rIns="91440" bIns="45720" rtlCol="0" anchor="b">
-            <a:normAutofit/>
-          </a:bodyPr>
-          <a:lstStyle/>
-          <a:p>
-            <a:pPr algn="ctr"/>
-            <a:r>
-              <a:rPr lang="en-US" sz="4800" kern="1200" dirty="0">
-                <a:solidFill>
-                  <a:srgbClr val="FFFFFF"/>
-                </a:solidFill>
-                <a:latin typeface="+mj-lt"/>
-                <a:ea typeface="+mj-ea"/>
-                <a:cs typeface="+mj-cs"/>
-              </a:rPr>
-              <a:t>TOM–Behavior</a:t>
-            </a:r>
-          </a:p>
-        </p:txBody>
-      </p:sp>
-      <p:cxnSp>
-        <p:nvCxnSpPr>
-          <p:cNvPr id="13" name="Straight Connector 12">
-            <a:extLst>
-              <a:ext uri="{FF2B5EF4-FFF2-40B4-BE49-F238E27FC236}">
-                <a16:creationId xmlns:a16="http://schemas.microsoft.com/office/drawing/2014/main" id="{38FB9660-F42F-4313-BBC4-47C007FE484C}"/>
-              </a:ext>
-              <a:ext uri="{C183D7F6-B498-43B3-948B-1728B52AA6E4}">
-                <adec:decorative xmlns:adec="http://schemas.microsoft.com/office/drawing/2017/decorative" val="1"/>
-              </a:ext>
-            </a:extLst>
-          </p:cNvPr>
-          <p:cNvCxnSpPr>
-            <a:cxnSpLocks noGrp="1" noRot="1" noChangeAspect="1" noMove="1" noResize="1" noEditPoints="1" noAdjustHandles="1" noChangeArrowheads="1" noChangeShapeType="1"/>
-          </p:cNvCxnSpPr>
-          <p:nvPr>
-            <p:extLst>
-              <p:ext uri="{386F3935-93C4-4BCD-93E2-E3B085C9AB24}">
-                <p16:designElem xmlns:p16="http://schemas.microsoft.com/office/powerpoint/2015/main" val="1"/>
-              </p:ext>
-            </p:extLst>
-          </p:nvPr>
-        </p:nvCxnSpPr>
-        <p:spPr>
-          <a:xfrm>
-            <a:off x="1191126" y="3910267"/>
-            <a:ext cx="2586790" cy="0"/>
-          </a:xfrm>
-          <a:prstGeom prst="line">
-            <a:avLst/>
-          </a:prstGeom>
-          <a:ln w="22225">
-            <a:solidFill>
-              <a:srgbClr val="D9D9D9"/>
-            </a:solidFill>
-          </a:ln>
-        </p:spPr>
-        <p:style>
-          <a:lnRef idx="1">
-            <a:schemeClr val="accent1"/>
-          </a:lnRef>
-          <a:fillRef idx="0">
-            <a:schemeClr val="accent1"/>
-          </a:fillRef>
-          <a:effectRef idx="0">
-            <a:schemeClr val="accent1"/>
-          </a:effectRef>
-          <a:fontRef idx="minor">
-            <a:schemeClr val="tx1"/>
-          </a:fontRef>
-        </p:style>
-      </p:cxnSp>
-      <p:pic>
-        <p:nvPicPr>
-          <p:cNvPr id="6" name="Content Placeholder 5" descr="A screenshot of a video game&#10;&#10;Description automatically generated">
-            <a:extLst>
-              <a:ext uri="{FF2B5EF4-FFF2-40B4-BE49-F238E27FC236}">
-                <a16:creationId xmlns:a16="http://schemas.microsoft.com/office/drawing/2014/main" id="{8FC59F98-2E24-404D-9A31-C3290AA1929C}"/>
-              </a:ext>
-            </a:extLst>
-          </p:cNvPr>
-          <p:cNvPicPr>
-            <a:picLocks noGrp="1" noChangeAspect="1"/>
-          </p:cNvPicPr>
-          <p:nvPr>
-            <p:ph idx="1"/>
-          </p:nvPr>
-        </p:nvPicPr>
-        <p:blipFill>
-          <a:blip r:embed="rId2"/>
-          <a:stretch>
-            <a:fillRect/>
-          </a:stretch>
-        </p:blipFill>
-        <p:spPr>
-          <a:xfrm>
-            <a:off x="6527131" y="306788"/>
-            <a:ext cx="3927195" cy="6066581"/>
-          </a:xfrm>
-          <a:prstGeom prst="rect">
-            <a:avLst/>
-          </a:prstGeom>
-        </p:spPr>
-      </p:pic>
-      <p:sp>
-        <p:nvSpPr>
-          <p:cNvPr id="4" name="Footer Placeholder 3">
-            <a:extLst>
-              <a:ext uri="{FF2B5EF4-FFF2-40B4-BE49-F238E27FC236}">
-                <a16:creationId xmlns:a16="http://schemas.microsoft.com/office/drawing/2014/main" id="{0D5D85D6-68A4-1448-8703-F1F5711ED898}"/>
-              </a:ext>
-            </a:extLst>
-          </p:cNvPr>
-          <p:cNvSpPr>
-            <a:spLocks noGrp="1"/>
-          </p:cNvSpPr>
-          <p:nvPr>
-            <p:ph type="ftr" sz="quarter" idx="11"/>
-          </p:nvPr>
-        </p:nvSpPr>
-        <p:spPr>
-          <a:xfrm>
-            <a:off x="5153822" y="6356350"/>
-            <a:ext cx="4615820" cy="365125"/>
-          </a:xfrm>
-        </p:spPr>
-        <p:txBody>
-          <a:bodyPr vert="horz" lIns="91440" tIns="45720" rIns="91440" bIns="45720" rtlCol="0" anchor="ctr">
-            <a:normAutofit/>
-          </a:bodyPr>
-          <a:lstStyle/>
-          <a:p>
-            <a:pPr algn="l">
-              <a:spcAft>
-                <a:spcPts val="600"/>
-              </a:spcAft>
-            </a:pPr>
-            <a:r>
-              <a:rPr lang="en-US" kern="1200">
-                <a:solidFill>
-                  <a:srgbClr val="595959"/>
-                </a:solidFill>
-                <a:latin typeface="+mn-lt"/>
-                <a:ea typeface="+mn-ea"/>
-                <a:cs typeface="+mn-cs"/>
-              </a:rPr>
-              <a:t>©2019 Token Taxonomy Initiative Inc. (“TTI”).  All Rights Reserved. </a:t>
-            </a:r>
-          </a:p>
-        </p:txBody>
-      </p:sp>
-      <p:sp>
-        <p:nvSpPr>
-          <p:cNvPr id="7" name="Rectangle 6">
-            <a:extLst>
-              <a:ext uri="{FF2B5EF4-FFF2-40B4-BE49-F238E27FC236}">
-                <a16:creationId xmlns:a16="http://schemas.microsoft.com/office/drawing/2014/main" id="{B2E319C6-447F-9747-86CC-436285A1CB6D}"/>
-              </a:ext>
-            </a:extLst>
-          </p:cNvPr>
-          <p:cNvSpPr/>
-          <p:nvPr/>
-        </p:nvSpPr>
-        <p:spPr>
-          <a:xfrm>
-            <a:off x="1737674" y="4025870"/>
-            <a:ext cx="1636089" cy="369332"/>
-          </a:xfrm>
-          <a:prstGeom prst="rect">
-            <a:avLst/>
-          </a:prstGeom>
-        </p:spPr>
-        <p:txBody>
-          <a:bodyPr wrap="none">
-            <a:spAutoFit/>
-          </a:bodyPr>
-          <a:lstStyle/>
-          <a:p>
-            <a:r>
-              <a:rPr lang="en-US" dirty="0">
-                <a:solidFill>
-                  <a:srgbClr val="FFFFFF"/>
-                </a:solidFill>
-              </a:rPr>
-              <a:t>Relational View</a:t>
-            </a:r>
-            <a:endParaRPr lang="en-US" dirty="0"/>
-          </a:p>
-        </p:txBody>
-      </p:sp>
-    </p:spTree>
-    <p:extLst>
-      <p:ext uri="{BB962C8B-B14F-4D97-AF65-F5344CB8AC3E}">
-        <p14:creationId xmlns:p14="http://schemas.microsoft.com/office/powerpoint/2010/main" val="769698980"/>
       </p:ext>
     </p:extLst>
   </p:cSld>
@@ -39204,12 +40880,6 @@
 </file>
 
 <file path=customXml/item1.xml><?xml version="1.0" encoding="utf-8"?>
-<p:properties xmlns:p="http://schemas.microsoft.com/office/2006/metadata/properties" xmlns:xsi="http://www.w3.org/2001/XMLSchema-instance" xmlns:pc="http://schemas.microsoft.com/office/infopath/2007/PartnerControls">
-  <documentManagement/>
-</p:properties>
-</file>
-
-<file path=customXml/item2.xml><?xml version="1.0" encoding="utf-8"?>
 <ct:contentTypeSchema xmlns:ct="http://schemas.microsoft.com/office/2006/metadata/contentType" xmlns:ma="http://schemas.microsoft.com/office/2006/metadata/properties/metaAttributes" ct:_="" ma:_="" ma:contentTypeName="Document" ma:contentTypeID="0x0101000D5D5817AAF6FF468E5842F2EA41A402" ma:contentTypeVersion="4" ma:contentTypeDescription="Create a new document." ma:contentTypeScope="" ma:versionID="ecf9e8a7ec911af4c88c170c4b707c61">
   <xsd:schema xmlns:xsd="http://www.w3.org/2001/XMLSchema" xmlns:xs="http://www.w3.org/2001/XMLSchema" xmlns:p="http://schemas.microsoft.com/office/2006/metadata/properties" xmlns:ns2="d0b048db-77dc-4b3e-bbad-b83c857b8f52" targetNamespace="http://schemas.microsoft.com/office/2006/metadata/properties" ma:root="true" ma:fieldsID="45abe7fd380e06a45515811480a9472f" ns2:_="">
     <xsd:import namespace="d0b048db-77dc-4b3e-bbad-b83c857b8f52"/>
@@ -39355,6 +41025,12 @@
 </ct:contentTypeSchema>
 </file>
 
+<file path=customXml/item2.xml><?xml version="1.0" encoding="utf-8"?>
+<p:properties xmlns:p="http://schemas.microsoft.com/office/2006/metadata/properties" xmlns:xsi="http://www.w3.org/2001/XMLSchema-instance" xmlns:pc="http://schemas.microsoft.com/office/infopath/2007/PartnerControls">
+  <documentManagement/>
+</p:properties>
+</file>
+
 <file path=customXml/item3.xml><?xml version="1.0" encoding="utf-8"?>
 <?mso-contentType ?>
 <FormTemplates xmlns="http://schemas.microsoft.com/sharepoint/v3/contenttype/forms">
@@ -39365,22 +41041,6 @@
 </file>
 
 <file path=customXml/itemProps1.xml><?xml version="1.0" encoding="utf-8"?>
-<ds:datastoreItem xmlns:ds="http://schemas.openxmlformats.org/officeDocument/2006/customXml" ds:itemID="{BC7EC15D-9D86-457F-843A-E148EB588346}">
-  <ds:schemaRefs>
-    <ds:schemaRef ds:uri="http://purl.org/dc/terms/"/>
-    <ds:schemaRef ds:uri="http://schemas.microsoft.com/office/2006/documentManagement/types"/>
-    <ds:schemaRef ds:uri="http://schemas.microsoft.com/office/2006/metadata/properties"/>
-    <ds:schemaRef ds:uri="http://purl.org/dc/elements/1.1/"/>
-    <ds:schemaRef ds:uri="http://www.w3.org/XML/1998/namespace"/>
-    <ds:schemaRef ds:uri="http://purl.org/dc/dcmitype/"/>
-    <ds:schemaRef ds:uri="http://schemas.microsoft.com/office/infopath/2007/PartnerControls"/>
-    <ds:schemaRef ds:uri="http://schemas.openxmlformats.org/package/2006/metadata/core-properties"/>
-    <ds:schemaRef ds:uri="d0b048db-77dc-4b3e-bbad-b83c857b8f52"/>
-  </ds:schemaRefs>
-</ds:datastoreItem>
-</file>
-
-<file path=customXml/itemProps2.xml><?xml version="1.0" encoding="utf-8"?>
 <ds:datastoreItem xmlns:ds="http://schemas.openxmlformats.org/officeDocument/2006/customXml" ds:itemID="{4FE95BC6-E305-4FF6-A01F-E77D74A2133B}">
   <ds:schemaRefs>
     <ds:schemaRef ds:uri="http://schemas.microsoft.com/office/2006/metadata/contentType"/>
@@ -39398,6 +41058,22 @@
 </ds:datastoreItem>
 </file>
 
+<file path=customXml/itemProps2.xml><?xml version="1.0" encoding="utf-8"?>
+<ds:datastoreItem xmlns:ds="http://schemas.openxmlformats.org/officeDocument/2006/customXml" ds:itemID="{BC7EC15D-9D86-457F-843A-E148EB588346}">
+  <ds:schemaRefs>
+    <ds:schemaRef ds:uri="http://purl.org/dc/terms/"/>
+    <ds:schemaRef ds:uri="http://schemas.microsoft.com/office/2006/documentManagement/types"/>
+    <ds:schemaRef ds:uri="http://schemas.microsoft.com/office/2006/metadata/properties"/>
+    <ds:schemaRef ds:uri="http://purl.org/dc/elements/1.1/"/>
+    <ds:schemaRef ds:uri="http://www.w3.org/XML/1998/namespace"/>
+    <ds:schemaRef ds:uri="http://purl.org/dc/dcmitype/"/>
+    <ds:schemaRef ds:uri="http://schemas.microsoft.com/office/infopath/2007/PartnerControls"/>
+    <ds:schemaRef ds:uri="http://schemas.openxmlformats.org/package/2006/metadata/core-properties"/>
+    <ds:schemaRef ds:uri="d0b048db-77dc-4b3e-bbad-b83c857b8f52"/>
+  </ds:schemaRefs>
+</ds:datastoreItem>
+</file>
+
 <file path=customXml/itemProps3.xml><?xml version="1.0" encoding="utf-8"?>
 <ds:datastoreItem xmlns:ds="http://schemas.openxmlformats.org/officeDocument/2006/customXml" ds:itemID="{8300740F-8DFB-471C-9B1F-015DD41307B1}">
   <ds:schemaRefs>
